--- a/Doxygen/games/2. Top Down Tiled Game/Figures.pptx
+++ b/Doxygen/games/2. Top Down Tiled Game/Figures.pptx
@@ -5,10 +5,11 @@
     <p:sldMasterId id="2147483648" r:id="rId1"/>
   </p:sldMasterIdLst>
   <p:notesMasterIdLst>
-    <p:notesMasterId r:id="rId3"/>
+    <p:notesMasterId r:id="rId4"/>
   </p:notesMasterIdLst>
   <p:sldIdLst>
     <p:sldId id="257" r:id="rId2"/>
+    <p:sldId id="258" r:id="rId3"/>
   </p:sldIdLst>
   <p:sldSz cx="12192000" cy="6858000"/>
   <p:notesSz cx="6858000" cy="9144000"/>
@@ -197,7 +198,7 @@
           <a:p>
             <a:fld id="{CD2F7734-9B16-4B24-8CC9-23BB055F8AEC}" type="datetimeFigureOut">
               <a:rPr lang="en-US" smtClean="0"/>
-              <a:t>9/5/2023</a:t>
+              <a:t>9/15/2023</a:t>
             </a:fld>
             <a:endParaRPr lang="en-US"/>
           </a:p>
@@ -695,7 +696,7 @@
           <a:p>
             <a:fld id="{C6A823A5-97B4-4DA4-AB8D-18312DFD6724}" type="datetimeFigureOut">
               <a:rPr lang="en-US" smtClean="0"/>
-              <a:t>9/5/2023</a:t>
+              <a:t>9/15/2023</a:t>
             </a:fld>
             <a:endParaRPr lang="en-US"/>
           </a:p>
@@ -893,7 +894,7 @@
           <a:p>
             <a:fld id="{C6A823A5-97B4-4DA4-AB8D-18312DFD6724}" type="datetimeFigureOut">
               <a:rPr lang="en-US" smtClean="0"/>
-              <a:t>9/5/2023</a:t>
+              <a:t>9/15/2023</a:t>
             </a:fld>
             <a:endParaRPr lang="en-US"/>
           </a:p>
@@ -1101,7 +1102,7 @@
           <a:p>
             <a:fld id="{C6A823A5-97B4-4DA4-AB8D-18312DFD6724}" type="datetimeFigureOut">
               <a:rPr lang="en-US" smtClean="0"/>
-              <a:t>9/5/2023</a:t>
+              <a:t>9/15/2023</a:t>
             </a:fld>
             <a:endParaRPr lang="en-US"/>
           </a:p>
@@ -1299,7 +1300,7 @@
           <a:p>
             <a:fld id="{C6A823A5-97B4-4DA4-AB8D-18312DFD6724}" type="datetimeFigureOut">
               <a:rPr lang="en-US" smtClean="0"/>
-              <a:t>9/5/2023</a:t>
+              <a:t>9/15/2023</a:t>
             </a:fld>
             <a:endParaRPr lang="en-US"/>
           </a:p>
@@ -1574,7 +1575,7 @@
           <a:p>
             <a:fld id="{C6A823A5-97B4-4DA4-AB8D-18312DFD6724}" type="datetimeFigureOut">
               <a:rPr lang="en-US" smtClean="0"/>
-              <a:t>9/5/2023</a:t>
+              <a:t>9/15/2023</a:t>
             </a:fld>
             <a:endParaRPr lang="en-US"/>
           </a:p>
@@ -1839,7 +1840,7 @@
           <a:p>
             <a:fld id="{C6A823A5-97B4-4DA4-AB8D-18312DFD6724}" type="datetimeFigureOut">
               <a:rPr lang="en-US" smtClean="0"/>
-              <a:t>9/5/2023</a:t>
+              <a:t>9/15/2023</a:t>
             </a:fld>
             <a:endParaRPr lang="en-US"/>
           </a:p>
@@ -2251,7 +2252,7 @@
           <a:p>
             <a:fld id="{C6A823A5-97B4-4DA4-AB8D-18312DFD6724}" type="datetimeFigureOut">
               <a:rPr lang="en-US" smtClean="0"/>
-              <a:t>9/5/2023</a:t>
+              <a:t>9/15/2023</a:t>
             </a:fld>
             <a:endParaRPr lang="en-US"/>
           </a:p>
@@ -2392,7 +2393,7 @@
           <a:p>
             <a:fld id="{C6A823A5-97B4-4DA4-AB8D-18312DFD6724}" type="datetimeFigureOut">
               <a:rPr lang="en-US" smtClean="0"/>
-              <a:t>9/5/2023</a:t>
+              <a:t>9/15/2023</a:t>
             </a:fld>
             <a:endParaRPr lang="en-US"/>
           </a:p>
@@ -2505,7 +2506,7 @@
           <a:p>
             <a:fld id="{C6A823A5-97B4-4DA4-AB8D-18312DFD6724}" type="datetimeFigureOut">
               <a:rPr lang="en-US" smtClean="0"/>
-              <a:t>9/5/2023</a:t>
+              <a:t>9/15/2023</a:t>
             </a:fld>
             <a:endParaRPr lang="en-US"/>
           </a:p>
@@ -2816,7 +2817,7 @@
           <a:p>
             <a:fld id="{C6A823A5-97B4-4DA4-AB8D-18312DFD6724}" type="datetimeFigureOut">
               <a:rPr lang="en-US" smtClean="0"/>
-              <a:t>9/5/2023</a:t>
+              <a:t>9/15/2023</a:t>
             </a:fld>
             <a:endParaRPr lang="en-US"/>
           </a:p>
@@ -3104,7 +3105,7 @@
           <a:p>
             <a:fld id="{C6A823A5-97B4-4DA4-AB8D-18312DFD6724}" type="datetimeFigureOut">
               <a:rPr lang="en-US" smtClean="0"/>
-              <a:t>9/5/2023</a:t>
+              <a:t>9/15/2023</a:t>
             </a:fld>
             <a:endParaRPr lang="en-US"/>
           </a:p>
@@ -3345,7 +3346,7 @@
           <a:p>
             <a:fld id="{C6A823A5-97B4-4DA4-AB8D-18312DFD6724}" type="datetimeFigureOut">
               <a:rPr lang="en-US" smtClean="0"/>
-              <a:t>9/5/2023</a:t>
+              <a:t>9/15/2023</a:t>
             </a:fld>
             <a:endParaRPr lang="en-US"/>
           </a:p>
@@ -3762,499 +3763,2083 @@
           <a:chExt cx="0" cy="0"/>
         </a:xfrm>
       </p:grpSpPr>
-      <p:pic>
-        <p:nvPicPr>
-          <p:cNvPr id="84" name="Picture 83">
-            <a:extLst>
-              <a:ext uri="{FF2B5EF4-FFF2-40B4-BE49-F238E27FC236}">
-                <a16:creationId xmlns:a16="http://schemas.microsoft.com/office/drawing/2014/main" id="{E1C8D66E-60EA-45A7-B928-E719B0AE5447}"/>
-              </a:ext>
-            </a:extLst>
-          </p:cNvPr>
-          <p:cNvPicPr>
-            <a:picLocks noChangeAspect="1"/>
-          </p:cNvPicPr>
+      <p:grpSp>
+        <p:nvGrpSpPr>
+          <p:cNvPr id="3" name="Group 2">
+            <a:extLst>
+              <a:ext uri="{FF2B5EF4-FFF2-40B4-BE49-F238E27FC236}">
+                <a16:creationId xmlns:a16="http://schemas.microsoft.com/office/drawing/2014/main" id="{3FE51EB1-4E0B-5FCE-93C0-BD01FA59963B}"/>
+              </a:ext>
+            </a:extLst>
+          </p:cNvPr>
+          <p:cNvGrpSpPr/>
           <p:nvPr/>
-        </p:nvPicPr>
-        <p:blipFill>
-          <a:blip r:embed="rId3"/>
-          <a:stretch>
-            <a:fillRect/>
-          </a:stretch>
-        </p:blipFill>
-        <p:spPr>
+        </p:nvGrpSpPr>
+        <p:grpSpPr>
           <a:xfrm>
-            <a:off x="7697962" y="3479778"/>
-            <a:ext cx="304843" cy="304843"/>
+            <a:off x="755058" y="1858197"/>
+            <a:ext cx="914530" cy="919334"/>
+            <a:chOff x="7697961" y="3174933"/>
+            <a:chExt cx="914530" cy="919334"/>
           </a:xfrm>
-          <a:prstGeom prst="rect">
-            <a:avLst/>
-          </a:prstGeom>
-        </p:spPr>
-      </p:pic>
-      <p:pic>
-        <p:nvPicPr>
-          <p:cNvPr id="85" name="Picture 84">
-            <a:extLst>
-              <a:ext uri="{FF2B5EF4-FFF2-40B4-BE49-F238E27FC236}">
-                <a16:creationId xmlns:a16="http://schemas.microsoft.com/office/drawing/2014/main" id="{D2C0281C-7DE2-4FA6-97EF-165E0D8F8C85}"/>
-              </a:ext>
-            </a:extLst>
-          </p:cNvPr>
-          <p:cNvPicPr>
-            <a:picLocks noChangeAspect="1"/>
-          </p:cNvPicPr>
+        </p:grpSpPr>
+        <p:pic>
+          <p:nvPicPr>
+            <p:cNvPr id="84" name="Picture 83">
+              <a:extLst>
+                <a:ext uri="{FF2B5EF4-FFF2-40B4-BE49-F238E27FC236}">
+                  <a16:creationId xmlns:a16="http://schemas.microsoft.com/office/drawing/2014/main" id="{E1C8D66E-60EA-45A7-B928-E719B0AE5447}"/>
+                </a:ext>
+              </a:extLst>
+            </p:cNvPr>
+            <p:cNvPicPr>
+              <a:picLocks noChangeAspect="1"/>
+            </p:cNvPicPr>
+            <p:nvPr/>
+          </p:nvPicPr>
+          <p:blipFill>
+            <a:blip r:embed="rId3"/>
+            <a:stretch>
+              <a:fillRect/>
+            </a:stretch>
+          </p:blipFill>
+          <p:spPr>
+            <a:xfrm>
+              <a:off x="7697962" y="3479778"/>
+              <a:ext cx="304843" cy="304843"/>
+            </a:xfrm>
+            <a:prstGeom prst="rect">
+              <a:avLst/>
+            </a:prstGeom>
+          </p:spPr>
+        </p:pic>
+        <p:pic>
+          <p:nvPicPr>
+            <p:cNvPr id="85" name="Picture 84">
+              <a:extLst>
+                <a:ext uri="{FF2B5EF4-FFF2-40B4-BE49-F238E27FC236}">
+                  <a16:creationId xmlns:a16="http://schemas.microsoft.com/office/drawing/2014/main" id="{D2C0281C-7DE2-4FA6-97EF-165E0D8F8C85}"/>
+                </a:ext>
+              </a:extLst>
+            </p:cNvPr>
+            <p:cNvPicPr>
+              <a:picLocks noChangeAspect="1"/>
+            </p:cNvPicPr>
+            <p:nvPr/>
+          </p:nvPicPr>
+          <p:blipFill>
+            <a:blip r:embed="rId3"/>
+            <a:stretch>
+              <a:fillRect/>
+            </a:stretch>
+          </p:blipFill>
+          <p:spPr>
+            <a:xfrm>
+              <a:off x="7697962" y="3784620"/>
+              <a:ext cx="304843" cy="304843"/>
+            </a:xfrm>
+            <a:prstGeom prst="rect">
+              <a:avLst/>
+            </a:prstGeom>
+          </p:spPr>
+        </p:pic>
+        <p:pic>
+          <p:nvPicPr>
+            <p:cNvPr id="86" name="Picture 85">
+              <a:extLst>
+                <a:ext uri="{FF2B5EF4-FFF2-40B4-BE49-F238E27FC236}">
+                  <a16:creationId xmlns:a16="http://schemas.microsoft.com/office/drawing/2014/main" id="{1DD8924D-8508-472C-983B-0920CF94B165}"/>
+                </a:ext>
+              </a:extLst>
+            </p:cNvPr>
+            <p:cNvPicPr>
+              <a:picLocks noChangeAspect="1"/>
+            </p:cNvPicPr>
+            <p:nvPr/>
+          </p:nvPicPr>
+          <p:blipFill>
+            <a:blip r:embed="rId3"/>
+            <a:stretch>
+              <a:fillRect/>
+            </a:stretch>
+          </p:blipFill>
+          <p:spPr>
+            <a:xfrm>
+              <a:off x="8002803" y="3479777"/>
+              <a:ext cx="304843" cy="304843"/>
+            </a:xfrm>
+            <a:prstGeom prst="rect">
+              <a:avLst/>
+            </a:prstGeom>
+          </p:spPr>
+        </p:pic>
+        <p:pic>
+          <p:nvPicPr>
+            <p:cNvPr id="87" name="Picture 86">
+              <a:extLst>
+                <a:ext uri="{FF2B5EF4-FFF2-40B4-BE49-F238E27FC236}">
+                  <a16:creationId xmlns:a16="http://schemas.microsoft.com/office/drawing/2014/main" id="{D92CE17C-C537-40DB-980E-1A8D78F7CB8C}"/>
+                </a:ext>
+              </a:extLst>
+            </p:cNvPr>
+            <p:cNvPicPr>
+              <a:picLocks noChangeAspect="1"/>
+            </p:cNvPicPr>
+            <p:nvPr/>
+          </p:nvPicPr>
+          <p:blipFill>
+            <a:blip r:embed="rId3"/>
+            <a:stretch>
+              <a:fillRect/>
+            </a:stretch>
+          </p:blipFill>
+          <p:spPr>
+            <a:xfrm>
+              <a:off x="8002804" y="3784619"/>
+              <a:ext cx="304843" cy="304843"/>
+            </a:xfrm>
+            <a:prstGeom prst="rect">
+              <a:avLst/>
+            </a:prstGeom>
+          </p:spPr>
+        </p:pic>
+        <p:pic>
+          <p:nvPicPr>
+            <p:cNvPr id="88" name="Picture 87">
+              <a:extLst>
+                <a:ext uri="{FF2B5EF4-FFF2-40B4-BE49-F238E27FC236}">
+                  <a16:creationId xmlns:a16="http://schemas.microsoft.com/office/drawing/2014/main" id="{6734C39A-E101-4C85-A013-01A525B02942}"/>
+                </a:ext>
+              </a:extLst>
+            </p:cNvPr>
+            <p:cNvPicPr>
+              <a:picLocks noChangeAspect="1"/>
+            </p:cNvPicPr>
+            <p:nvPr/>
+          </p:nvPicPr>
+          <p:blipFill>
+            <a:blip r:embed="rId3"/>
+            <a:stretch>
+              <a:fillRect/>
+            </a:stretch>
+          </p:blipFill>
+          <p:spPr>
+            <a:xfrm>
+              <a:off x="8307648" y="3484582"/>
+              <a:ext cx="304843" cy="304843"/>
+            </a:xfrm>
+            <a:prstGeom prst="rect">
+              <a:avLst/>
+            </a:prstGeom>
+          </p:spPr>
+        </p:pic>
+        <p:pic>
+          <p:nvPicPr>
+            <p:cNvPr id="89" name="Picture 88">
+              <a:extLst>
+                <a:ext uri="{FF2B5EF4-FFF2-40B4-BE49-F238E27FC236}">
+                  <a16:creationId xmlns:a16="http://schemas.microsoft.com/office/drawing/2014/main" id="{32BD5B8E-8999-461B-B07A-4D41B79C2F93}"/>
+                </a:ext>
+              </a:extLst>
+            </p:cNvPr>
+            <p:cNvPicPr>
+              <a:picLocks noChangeAspect="1"/>
+            </p:cNvPicPr>
+            <p:nvPr/>
+          </p:nvPicPr>
+          <p:blipFill>
+            <a:blip r:embed="rId3"/>
+            <a:stretch>
+              <a:fillRect/>
+            </a:stretch>
+          </p:blipFill>
+          <p:spPr>
+            <a:xfrm>
+              <a:off x="8307644" y="3789424"/>
+              <a:ext cx="304843" cy="304843"/>
+            </a:xfrm>
+            <a:prstGeom prst="rect">
+              <a:avLst/>
+            </a:prstGeom>
+          </p:spPr>
+        </p:pic>
+        <p:pic>
+          <p:nvPicPr>
+            <p:cNvPr id="90" name="Picture 89">
+              <a:extLst>
+                <a:ext uri="{FF2B5EF4-FFF2-40B4-BE49-F238E27FC236}">
+                  <a16:creationId xmlns:a16="http://schemas.microsoft.com/office/drawing/2014/main" id="{79AE6346-691B-4370-A70A-10E10F22018C}"/>
+                </a:ext>
+              </a:extLst>
+            </p:cNvPr>
+            <p:cNvPicPr>
+              <a:picLocks noChangeAspect="1"/>
+            </p:cNvPicPr>
+            <p:nvPr/>
+          </p:nvPicPr>
+          <p:blipFill>
+            <a:blip r:embed="rId3"/>
+            <a:stretch>
+              <a:fillRect/>
+            </a:stretch>
+          </p:blipFill>
+          <p:spPr>
+            <a:xfrm>
+              <a:off x="7697961" y="3174933"/>
+              <a:ext cx="304843" cy="304843"/>
+            </a:xfrm>
+            <a:prstGeom prst="rect">
+              <a:avLst/>
+            </a:prstGeom>
+          </p:spPr>
+        </p:pic>
+        <p:pic>
+          <p:nvPicPr>
+            <p:cNvPr id="91" name="Picture 90">
+              <a:extLst>
+                <a:ext uri="{FF2B5EF4-FFF2-40B4-BE49-F238E27FC236}">
+                  <a16:creationId xmlns:a16="http://schemas.microsoft.com/office/drawing/2014/main" id="{2C8F802C-5770-4030-80F6-0639EA90972A}"/>
+                </a:ext>
+              </a:extLst>
+            </p:cNvPr>
+            <p:cNvPicPr>
+              <a:picLocks noChangeAspect="1"/>
+            </p:cNvPicPr>
+            <p:nvPr/>
+          </p:nvPicPr>
+          <p:blipFill>
+            <a:blip r:embed="rId3"/>
+            <a:stretch>
+              <a:fillRect/>
+            </a:stretch>
+          </p:blipFill>
+          <p:spPr>
+            <a:xfrm>
+              <a:off x="8002802" y="3184543"/>
+              <a:ext cx="304843" cy="304843"/>
+            </a:xfrm>
+            <a:prstGeom prst="rect">
+              <a:avLst/>
+            </a:prstGeom>
+          </p:spPr>
+        </p:pic>
+        <p:pic>
+          <p:nvPicPr>
+            <p:cNvPr id="92" name="Picture 91">
+              <a:extLst>
+                <a:ext uri="{FF2B5EF4-FFF2-40B4-BE49-F238E27FC236}">
+                  <a16:creationId xmlns:a16="http://schemas.microsoft.com/office/drawing/2014/main" id="{6A7A1861-0E17-46AE-B9CC-ED1D5A13FB4D}"/>
+                </a:ext>
+              </a:extLst>
+            </p:cNvPr>
+            <p:cNvPicPr>
+              <a:picLocks noChangeAspect="1"/>
+            </p:cNvPicPr>
+            <p:nvPr/>
+          </p:nvPicPr>
+          <p:blipFill>
+            <a:blip r:embed="rId3"/>
+            <a:stretch>
+              <a:fillRect/>
+            </a:stretch>
+          </p:blipFill>
+          <p:spPr>
+            <a:xfrm>
+              <a:off x="8307642" y="3184543"/>
+              <a:ext cx="304843" cy="304843"/>
+            </a:xfrm>
+            <a:prstGeom prst="rect">
+              <a:avLst/>
+            </a:prstGeom>
+          </p:spPr>
+        </p:pic>
+      </p:grpSp>
+      <p:grpSp>
+        <p:nvGrpSpPr>
+          <p:cNvPr id="2" name="Group 1">
+            <a:extLst>
+              <a:ext uri="{FF2B5EF4-FFF2-40B4-BE49-F238E27FC236}">
+                <a16:creationId xmlns:a16="http://schemas.microsoft.com/office/drawing/2014/main" id="{D87B5389-E9B8-42BB-86D5-52C89F2F5E20}"/>
+              </a:ext>
+            </a:extLst>
+          </p:cNvPr>
+          <p:cNvGrpSpPr/>
           <p:nvPr/>
-        </p:nvPicPr>
-        <p:blipFill>
-          <a:blip r:embed="rId3"/>
-          <a:stretch>
-            <a:fillRect/>
-          </a:stretch>
-        </p:blipFill>
-        <p:spPr>
+        </p:nvGrpSpPr>
+        <p:grpSpPr>
           <a:xfrm>
-            <a:off x="7697962" y="3784620"/>
-            <a:ext cx="304843" cy="304843"/>
+            <a:off x="734191" y="830050"/>
+            <a:ext cx="1511753" cy="530342"/>
+            <a:chOff x="5411855" y="3276578"/>
+            <a:chExt cx="1511753" cy="530342"/>
           </a:xfrm>
-          <a:prstGeom prst="rect">
-            <a:avLst/>
-          </a:prstGeom>
-        </p:spPr>
-      </p:pic>
-      <p:pic>
-        <p:nvPicPr>
-          <p:cNvPr id="86" name="Picture 85">
-            <a:extLst>
-              <a:ext uri="{FF2B5EF4-FFF2-40B4-BE49-F238E27FC236}">
-                <a16:creationId xmlns:a16="http://schemas.microsoft.com/office/drawing/2014/main" id="{1DD8924D-8508-472C-983B-0920CF94B165}"/>
-              </a:ext>
-            </a:extLst>
-          </p:cNvPr>
-          <p:cNvPicPr>
-            <a:picLocks noChangeAspect="1"/>
-          </p:cNvPicPr>
-          <p:nvPr/>
-        </p:nvPicPr>
-        <p:blipFill>
-          <a:blip r:embed="rId3"/>
-          <a:stretch>
-            <a:fillRect/>
-          </a:stretch>
-        </p:blipFill>
-        <p:spPr>
-          <a:xfrm>
-            <a:off x="8002803" y="3479777"/>
-            <a:ext cx="304843" cy="304843"/>
-          </a:xfrm>
-          <a:prstGeom prst="rect">
-            <a:avLst/>
-          </a:prstGeom>
-        </p:spPr>
-      </p:pic>
-      <p:pic>
-        <p:nvPicPr>
-          <p:cNvPr id="87" name="Picture 86">
-            <a:extLst>
-              <a:ext uri="{FF2B5EF4-FFF2-40B4-BE49-F238E27FC236}">
-                <a16:creationId xmlns:a16="http://schemas.microsoft.com/office/drawing/2014/main" id="{D92CE17C-C537-40DB-980E-1A8D78F7CB8C}"/>
-              </a:ext>
-            </a:extLst>
-          </p:cNvPr>
-          <p:cNvPicPr>
-            <a:picLocks noChangeAspect="1"/>
-          </p:cNvPicPr>
-          <p:nvPr/>
-        </p:nvPicPr>
-        <p:blipFill>
-          <a:blip r:embed="rId3"/>
-          <a:stretch>
-            <a:fillRect/>
-          </a:stretch>
-        </p:blipFill>
-        <p:spPr>
-          <a:xfrm>
-            <a:off x="8002804" y="3784619"/>
-            <a:ext cx="304843" cy="304843"/>
-          </a:xfrm>
-          <a:prstGeom prst="rect">
-            <a:avLst/>
-          </a:prstGeom>
-        </p:spPr>
-      </p:pic>
-      <p:pic>
-        <p:nvPicPr>
-          <p:cNvPr id="88" name="Picture 87">
-            <a:extLst>
-              <a:ext uri="{FF2B5EF4-FFF2-40B4-BE49-F238E27FC236}">
-                <a16:creationId xmlns:a16="http://schemas.microsoft.com/office/drawing/2014/main" id="{6734C39A-E101-4C85-A013-01A525B02942}"/>
-              </a:ext>
-            </a:extLst>
-          </p:cNvPr>
-          <p:cNvPicPr>
-            <a:picLocks noChangeAspect="1"/>
-          </p:cNvPicPr>
-          <p:nvPr/>
-        </p:nvPicPr>
-        <p:blipFill>
-          <a:blip r:embed="rId3"/>
-          <a:stretch>
-            <a:fillRect/>
-          </a:stretch>
-        </p:blipFill>
-        <p:spPr>
-          <a:xfrm>
-            <a:off x="8307648" y="3484582"/>
-            <a:ext cx="304843" cy="304843"/>
-          </a:xfrm>
-          <a:prstGeom prst="rect">
-            <a:avLst/>
-          </a:prstGeom>
-        </p:spPr>
-      </p:pic>
-      <p:pic>
-        <p:nvPicPr>
-          <p:cNvPr id="89" name="Picture 88">
-            <a:extLst>
-              <a:ext uri="{FF2B5EF4-FFF2-40B4-BE49-F238E27FC236}">
-                <a16:creationId xmlns:a16="http://schemas.microsoft.com/office/drawing/2014/main" id="{32BD5B8E-8999-461B-B07A-4D41B79C2F93}"/>
-              </a:ext>
-            </a:extLst>
-          </p:cNvPr>
-          <p:cNvPicPr>
-            <a:picLocks noChangeAspect="1"/>
-          </p:cNvPicPr>
-          <p:nvPr/>
-        </p:nvPicPr>
-        <p:blipFill>
-          <a:blip r:embed="rId3"/>
-          <a:stretch>
-            <a:fillRect/>
-          </a:stretch>
-        </p:blipFill>
-        <p:spPr>
-          <a:xfrm>
-            <a:off x="8307644" y="3789424"/>
-            <a:ext cx="304843" cy="304843"/>
-          </a:xfrm>
-          <a:prstGeom prst="rect">
-            <a:avLst/>
-          </a:prstGeom>
-        </p:spPr>
-      </p:pic>
-      <p:pic>
-        <p:nvPicPr>
-          <p:cNvPr id="90" name="Picture 89">
-            <a:extLst>
-              <a:ext uri="{FF2B5EF4-FFF2-40B4-BE49-F238E27FC236}">
-                <a16:creationId xmlns:a16="http://schemas.microsoft.com/office/drawing/2014/main" id="{79AE6346-691B-4370-A70A-10E10F22018C}"/>
-              </a:ext>
-            </a:extLst>
-          </p:cNvPr>
-          <p:cNvPicPr>
-            <a:picLocks noChangeAspect="1"/>
-          </p:cNvPicPr>
-          <p:nvPr/>
-        </p:nvPicPr>
-        <p:blipFill>
-          <a:blip r:embed="rId3"/>
-          <a:stretch>
-            <a:fillRect/>
-          </a:stretch>
-        </p:blipFill>
-        <p:spPr>
-          <a:xfrm>
-            <a:off x="7697961" y="3174933"/>
-            <a:ext cx="304843" cy="304843"/>
-          </a:xfrm>
-          <a:prstGeom prst="rect">
-            <a:avLst/>
-          </a:prstGeom>
-        </p:spPr>
-      </p:pic>
-      <p:pic>
-        <p:nvPicPr>
-          <p:cNvPr id="91" name="Picture 90">
-            <a:extLst>
-              <a:ext uri="{FF2B5EF4-FFF2-40B4-BE49-F238E27FC236}">
-                <a16:creationId xmlns:a16="http://schemas.microsoft.com/office/drawing/2014/main" id="{2C8F802C-5770-4030-80F6-0639EA90972A}"/>
-              </a:ext>
-            </a:extLst>
-          </p:cNvPr>
-          <p:cNvPicPr>
-            <a:picLocks noChangeAspect="1"/>
-          </p:cNvPicPr>
-          <p:nvPr/>
-        </p:nvPicPr>
-        <p:blipFill>
-          <a:blip r:embed="rId3"/>
-          <a:stretch>
-            <a:fillRect/>
-          </a:stretch>
-        </p:blipFill>
-        <p:spPr>
-          <a:xfrm>
-            <a:off x="8002802" y="3184543"/>
-            <a:ext cx="304843" cy="304843"/>
-          </a:xfrm>
-          <a:prstGeom prst="rect">
-            <a:avLst/>
-          </a:prstGeom>
-        </p:spPr>
-      </p:pic>
-      <p:pic>
-        <p:nvPicPr>
-          <p:cNvPr id="92" name="Picture 91">
-            <a:extLst>
-              <a:ext uri="{FF2B5EF4-FFF2-40B4-BE49-F238E27FC236}">
-                <a16:creationId xmlns:a16="http://schemas.microsoft.com/office/drawing/2014/main" id="{6A7A1861-0E17-46AE-B9CC-ED1D5A13FB4D}"/>
-              </a:ext>
-            </a:extLst>
-          </p:cNvPr>
-          <p:cNvPicPr>
-            <a:picLocks noChangeAspect="1"/>
-          </p:cNvPicPr>
-          <p:nvPr/>
-        </p:nvPicPr>
-        <p:blipFill>
-          <a:blip r:embed="rId3"/>
-          <a:stretch>
-            <a:fillRect/>
-          </a:stretch>
-        </p:blipFill>
-        <p:spPr>
-          <a:xfrm>
-            <a:off x="8307642" y="3184543"/>
-            <a:ext cx="304843" cy="304843"/>
-          </a:xfrm>
-          <a:prstGeom prst="rect">
-            <a:avLst/>
-          </a:prstGeom>
-        </p:spPr>
-      </p:pic>
-      <p:pic>
-        <p:nvPicPr>
-          <p:cNvPr id="94" name="Picture 93">
-            <a:extLst>
-              <a:ext uri="{FF2B5EF4-FFF2-40B4-BE49-F238E27FC236}">
-                <a16:creationId xmlns:a16="http://schemas.microsoft.com/office/drawing/2014/main" id="{511640FF-060A-4602-8F0B-7E4320732DD4}"/>
-              </a:ext>
-            </a:extLst>
-          </p:cNvPr>
-          <p:cNvPicPr>
-            <a:picLocks noChangeAspect="1"/>
-          </p:cNvPicPr>
-          <p:nvPr/>
-        </p:nvPicPr>
-        <p:blipFill>
-          <a:blip r:embed="rId4">
-            <a:extLst>
-              <a:ext uri="{28A0092B-C50C-407E-A947-70E740481C1C}">
-                <a14:useLocalDpi xmlns:a14="http://schemas.microsoft.com/office/drawing/2010/main" val="0"/>
-              </a:ext>
-            </a:extLst>
-          </a:blip>
-          <a:stretch>
-            <a:fillRect/>
-          </a:stretch>
-        </p:blipFill>
-        <p:spPr>
-          <a:xfrm>
-            <a:off x="6015310" y="3276578"/>
-            <a:ext cx="304843" cy="304843"/>
-          </a:xfrm>
-          <a:prstGeom prst="rect">
-            <a:avLst/>
-          </a:prstGeom>
-        </p:spPr>
-      </p:pic>
-      <p:pic>
-        <p:nvPicPr>
-          <p:cNvPr id="96" name="Picture 95">
-            <a:extLst>
-              <a:ext uri="{FF2B5EF4-FFF2-40B4-BE49-F238E27FC236}">
-                <a16:creationId xmlns:a16="http://schemas.microsoft.com/office/drawing/2014/main" id="{25ABF708-40E7-4C08-A576-9EE86B8B0369}"/>
-              </a:ext>
-            </a:extLst>
-          </p:cNvPr>
-          <p:cNvPicPr>
-            <a:picLocks noChangeAspect="1"/>
-          </p:cNvPicPr>
-          <p:nvPr/>
-        </p:nvPicPr>
-        <p:blipFill>
-          <a:blip r:embed="rId5">
-            <a:extLst>
-              <a:ext uri="{28A0092B-C50C-407E-A947-70E740481C1C}">
-                <a14:useLocalDpi xmlns:a14="http://schemas.microsoft.com/office/drawing/2010/main" val="0"/>
-              </a:ext>
-            </a:extLst>
-          </a:blip>
-          <a:stretch>
-            <a:fillRect/>
-          </a:stretch>
-        </p:blipFill>
-        <p:spPr>
-          <a:xfrm>
-            <a:off x="5537199" y="3276578"/>
-            <a:ext cx="304800" cy="304800"/>
-          </a:xfrm>
-          <a:prstGeom prst="rect">
-            <a:avLst/>
-          </a:prstGeom>
-        </p:spPr>
-      </p:pic>
-      <p:pic>
-        <p:nvPicPr>
-          <p:cNvPr id="98" name="Picture 97">
-            <a:extLst>
-              <a:ext uri="{FF2B5EF4-FFF2-40B4-BE49-F238E27FC236}">
-                <a16:creationId xmlns:a16="http://schemas.microsoft.com/office/drawing/2014/main" id="{F8D0FEA3-A40A-40CF-81F5-1AF3A34BABD3}"/>
-              </a:ext>
-            </a:extLst>
-          </p:cNvPr>
-          <p:cNvPicPr>
-            <a:picLocks noChangeAspect="1"/>
-          </p:cNvPicPr>
-          <p:nvPr/>
-        </p:nvPicPr>
-        <p:blipFill>
-          <a:blip r:embed="rId6">
-            <a:extLst>
-              <a:ext uri="{28A0092B-C50C-407E-A947-70E740481C1C}">
-                <a14:useLocalDpi xmlns:a14="http://schemas.microsoft.com/office/drawing/2010/main" val="0"/>
-              </a:ext>
-            </a:extLst>
-          </a:blip>
-          <a:stretch>
-            <a:fillRect/>
-          </a:stretch>
-        </p:blipFill>
-        <p:spPr>
-          <a:xfrm>
-            <a:off x="6493464" y="3276578"/>
-            <a:ext cx="304800" cy="304800"/>
-          </a:xfrm>
-          <a:prstGeom prst="rect">
-            <a:avLst/>
-          </a:prstGeom>
-        </p:spPr>
-      </p:pic>
-      <p:sp>
-        <p:nvSpPr>
-          <p:cNvPr id="99" name="TextBox 98">
-            <a:extLst>
-              <a:ext uri="{FF2B5EF4-FFF2-40B4-BE49-F238E27FC236}">
-                <a16:creationId xmlns:a16="http://schemas.microsoft.com/office/drawing/2014/main" id="{F274FD34-33A2-48A7-BE4A-E85E889D357D}"/>
-              </a:ext>
-            </a:extLst>
-          </p:cNvPr>
-          <p:cNvSpPr txBox="1"/>
-          <p:nvPr/>
-        </p:nvSpPr>
-        <p:spPr>
-          <a:xfrm>
-            <a:off x="5411855" y="3545310"/>
-            <a:ext cx="555488" cy="261610"/>
-          </a:xfrm>
-          <a:prstGeom prst="rect">
-            <a:avLst/>
-          </a:prstGeom>
-          <a:noFill/>
-        </p:spPr>
-        <p:txBody>
-          <a:bodyPr wrap="square" rtlCol="0">
-            <a:spAutoFit/>
-          </a:bodyPr>
-          <a:lstStyle/>
-          <a:p>
-            <a:pPr algn="ctr"/>
-            <a:r>
-              <a:rPr lang="en-US" sz="1100" dirty="0"/>
-              <a:t>floor</a:t>
-            </a:r>
-            <a:endParaRPr lang="en-US" sz="1400" dirty="0"/>
-          </a:p>
-        </p:txBody>
-      </p:sp>
-      <p:sp>
-        <p:nvSpPr>
-          <p:cNvPr id="100" name="TextBox 99">
-            <a:extLst>
-              <a:ext uri="{FF2B5EF4-FFF2-40B4-BE49-F238E27FC236}">
-                <a16:creationId xmlns:a16="http://schemas.microsoft.com/office/drawing/2014/main" id="{D9848CB4-E2AF-495E-BD3A-4F890E70C135}"/>
-              </a:ext>
-            </a:extLst>
-          </p:cNvPr>
-          <p:cNvSpPr txBox="1"/>
-          <p:nvPr/>
-        </p:nvSpPr>
-        <p:spPr>
-          <a:xfrm>
-            <a:off x="5889987" y="3542376"/>
-            <a:ext cx="555488" cy="261610"/>
-          </a:xfrm>
-          <a:prstGeom prst="rect">
-            <a:avLst/>
-          </a:prstGeom>
-          <a:noFill/>
-        </p:spPr>
-        <p:txBody>
-          <a:bodyPr wrap="square" rtlCol="0">
-            <a:spAutoFit/>
-          </a:bodyPr>
-          <a:lstStyle/>
-          <a:p>
-            <a:pPr algn="ctr"/>
-            <a:r>
-              <a:rPr lang="en-US" sz="1100" dirty="0"/>
-              <a:t>wall</a:t>
-            </a:r>
-            <a:endParaRPr lang="en-US" sz="1400" dirty="0"/>
-          </a:p>
-        </p:txBody>
-      </p:sp>
-      <p:sp>
-        <p:nvSpPr>
-          <p:cNvPr id="101" name="TextBox 100">
-            <a:extLst>
-              <a:ext uri="{FF2B5EF4-FFF2-40B4-BE49-F238E27FC236}">
-                <a16:creationId xmlns:a16="http://schemas.microsoft.com/office/drawing/2014/main" id="{330AF481-BFFC-4552-829D-A6C439CC81F8}"/>
-              </a:ext>
-            </a:extLst>
-          </p:cNvPr>
-          <p:cNvSpPr txBox="1"/>
-          <p:nvPr/>
-        </p:nvSpPr>
-        <p:spPr>
-          <a:xfrm>
-            <a:off x="6368120" y="3542375"/>
-            <a:ext cx="555488" cy="261610"/>
-          </a:xfrm>
-          <a:prstGeom prst="rect">
-            <a:avLst/>
-          </a:prstGeom>
-          <a:noFill/>
-        </p:spPr>
-        <p:txBody>
-          <a:bodyPr wrap="square" rtlCol="0">
-            <a:spAutoFit/>
-          </a:bodyPr>
-          <a:lstStyle/>
-          <a:p>
-            <a:pPr algn="ctr"/>
-            <a:r>
-              <a:rPr lang="en-US" sz="1100" dirty="0"/>
-              <a:t>error</a:t>
-            </a:r>
-            <a:endParaRPr lang="en-US" sz="1400" dirty="0"/>
-          </a:p>
-        </p:txBody>
-      </p:sp>
+        </p:grpSpPr>
+        <p:pic>
+          <p:nvPicPr>
+            <p:cNvPr id="94" name="Picture 93">
+              <a:extLst>
+                <a:ext uri="{FF2B5EF4-FFF2-40B4-BE49-F238E27FC236}">
+                  <a16:creationId xmlns:a16="http://schemas.microsoft.com/office/drawing/2014/main" id="{511640FF-060A-4602-8F0B-7E4320732DD4}"/>
+                </a:ext>
+              </a:extLst>
+            </p:cNvPr>
+            <p:cNvPicPr>
+              <a:picLocks noChangeAspect="1"/>
+            </p:cNvPicPr>
+            <p:nvPr/>
+          </p:nvPicPr>
+          <p:blipFill>
+            <a:blip r:embed="rId4">
+              <a:extLst>
+                <a:ext uri="{28A0092B-C50C-407E-A947-70E740481C1C}">
+                  <a14:useLocalDpi xmlns:a14="http://schemas.microsoft.com/office/drawing/2010/main" val="0"/>
+                </a:ext>
+              </a:extLst>
+            </a:blip>
+            <a:stretch>
+              <a:fillRect/>
+            </a:stretch>
+          </p:blipFill>
+          <p:spPr>
+            <a:xfrm>
+              <a:off x="6015310" y="3276578"/>
+              <a:ext cx="304843" cy="304843"/>
+            </a:xfrm>
+            <a:prstGeom prst="rect">
+              <a:avLst/>
+            </a:prstGeom>
+          </p:spPr>
+        </p:pic>
+        <p:pic>
+          <p:nvPicPr>
+            <p:cNvPr id="96" name="Picture 95">
+              <a:extLst>
+                <a:ext uri="{FF2B5EF4-FFF2-40B4-BE49-F238E27FC236}">
+                  <a16:creationId xmlns:a16="http://schemas.microsoft.com/office/drawing/2014/main" id="{25ABF708-40E7-4C08-A576-9EE86B8B0369}"/>
+                </a:ext>
+              </a:extLst>
+            </p:cNvPr>
+            <p:cNvPicPr>
+              <a:picLocks noChangeAspect="1"/>
+            </p:cNvPicPr>
+            <p:nvPr/>
+          </p:nvPicPr>
+          <p:blipFill>
+            <a:blip r:embed="rId5">
+              <a:extLst>
+                <a:ext uri="{28A0092B-C50C-407E-A947-70E740481C1C}">
+                  <a14:useLocalDpi xmlns:a14="http://schemas.microsoft.com/office/drawing/2010/main" val="0"/>
+                </a:ext>
+              </a:extLst>
+            </a:blip>
+            <a:stretch>
+              <a:fillRect/>
+            </a:stretch>
+          </p:blipFill>
+          <p:spPr>
+            <a:xfrm>
+              <a:off x="5537199" y="3276578"/>
+              <a:ext cx="304800" cy="304800"/>
+            </a:xfrm>
+            <a:prstGeom prst="rect">
+              <a:avLst/>
+            </a:prstGeom>
+          </p:spPr>
+        </p:pic>
+        <p:pic>
+          <p:nvPicPr>
+            <p:cNvPr id="98" name="Picture 97">
+              <a:extLst>
+                <a:ext uri="{FF2B5EF4-FFF2-40B4-BE49-F238E27FC236}">
+                  <a16:creationId xmlns:a16="http://schemas.microsoft.com/office/drawing/2014/main" id="{F8D0FEA3-A40A-40CF-81F5-1AF3A34BABD3}"/>
+                </a:ext>
+              </a:extLst>
+            </p:cNvPr>
+            <p:cNvPicPr>
+              <a:picLocks noChangeAspect="1"/>
+            </p:cNvPicPr>
+            <p:nvPr/>
+          </p:nvPicPr>
+          <p:blipFill>
+            <a:blip r:embed="rId6">
+              <a:extLst>
+                <a:ext uri="{28A0092B-C50C-407E-A947-70E740481C1C}">
+                  <a14:useLocalDpi xmlns:a14="http://schemas.microsoft.com/office/drawing/2010/main" val="0"/>
+                </a:ext>
+              </a:extLst>
+            </a:blip>
+            <a:stretch>
+              <a:fillRect/>
+            </a:stretch>
+          </p:blipFill>
+          <p:spPr>
+            <a:xfrm>
+              <a:off x="6493464" y="3276578"/>
+              <a:ext cx="304800" cy="304800"/>
+            </a:xfrm>
+            <a:prstGeom prst="rect">
+              <a:avLst/>
+            </a:prstGeom>
+          </p:spPr>
+        </p:pic>
+        <p:sp>
+          <p:nvSpPr>
+            <p:cNvPr id="99" name="TextBox 98">
+              <a:extLst>
+                <a:ext uri="{FF2B5EF4-FFF2-40B4-BE49-F238E27FC236}">
+                  <a16:creationId xmlns:a16="http://schemas.microsoft.com/office/drawing/2014/main" id="{F274FD34-33A2-48A7-BE4A-E85E889D357D}"/>
+                </a:ext>
+              </a:extLst>
+            </p:cNvPr>
+            <p:cNvSpPr txBox="1"/>
+            <p:nvPr/>
+          </p:nvSpPr>
+          <p:spPr>
+            <a:xfrm>
+              <a:off x="5411855" y="3545310"/>
+              <a:ext cx="555488" cy="261610"/>
+            </a:xfrm>
+            <a:prstGeom prst="rect">
+              <a:avLst/>
+            </a:prstGeom>
+            <a:noFill/>
+          </p:spPr>
+          <p:txBody>
+            <a:bodyPr wrap="square" rtlCol="0">
+              <a:spAutoFit/>
+            </a:bodyPr>
+            <a:lstStyle/>
+            <a:p>
+              <a:pPr algn="ctr"/>
+              <a:r>
+                <a:rPr lang="en-US" sz="1100" dirty="0"/>
+                <a:t>floor</a:t>
+              </a:r>
+              <a:endParaRPr lang="en-US" sz="1400" dirty="0"/>
+            </a:p>
+          </p:txBody>
+        </p:sp>
+        <p:sp>
+          <p:nvSpPr>
+            <p:cNvPr id="100" name="TextBox 99">
+              <a:extLst>
+                <a:ext uri="{FF2B5EF4-FFF2-40B4-BE49-F238E27FC236}">
+                  <a16:creationId xmlns:a16="http://schemas.microsoft.com/office/drawing/2014/main" id="{D9848CB4-E2AF-495E-BD3A-4F890E70C135}"/>
+                </a:ext>
+              </a:extLst>
+            </p:cNvPr>
+            <p:cNvSpPr txBox="1"/>
+            <p:nvPr/>
+          </p:nvSpPr>
+          <p:spPr>
+            <a:xfrm>
+              <a:off x="5889987" y="3542376"/>
+              <a:ext cx="555488" cy="261610"/>
+            </a:xfrm>
+            <a:prstGeom prst="rect">
+              <a:avLst/>
+            </a:prstGeom>
+            <a:noFill/>
+          </p:spPr>
+          <p:txBody>
+            <a:bodyPr wrap="square" rtlCol="0">
+              <a:spAutoFit/>
+            </a:bodyPr>
+            <a:lstStyle/>
+            <a:p>
+              <a:pPr algn="ctr"/>
+              <a:r>
+                <a:rPr lang="en-US" sz="1100" dirty="0"/>
+                <a:t>wall</a:t>
+              </a:r>
+              <a:endParaRPr lang="en-US" sz="1400" dirty="0"/>
+            </a:p>
+          </p:txBody>
+        </p:sp>
+        <p:sp>
+          <p:nvSpPr>
+            <p:cNvPr id="101" name="TextBox 100">
+              <a:extLst>
+                <a:ext uri="{FF2B5EF4-FFF2-40B4-BE49-F238E27FC236}">
+                  <a16:creationId xmlns:a16="http://schemas.microsoft.com/office/drawing/2014/main" id="{330AF481-BFFC-4552-829D-A6C439CC81F8}"/>
+                </a:ext>
+              </a:extLst>
+            </p:cNvPr>
+            <p:cNvSpPr txBox="1"/>
+            <p:nvPr/>
+          </p:nvSpPr>
+          <p:spPr>
+            <a:xfrm>
+              <a:off x="6368120" y="3542375"/>
+              <a:ext cx="555488" cy="261610"/>
+            </a:xfrm>
+            <a:prstGeom prst="rect">
+              <a:avLst/>
+            </a:prstGeom>
+            <a:noFill/>
+          </p:spPr>
+          <p:txBody>
+            <a:bodyPr wrap="square" rtlCol="0">
+              <a:spAutoFit/>
+            </a:bodyPr>
+            <a:lstStyle/>
+            <a:p>
+              <a:pPr algn="ctr"/>
+              <a:r>
+                <a:rPr lang="en-US" sz="1100" dirty="0"/>
+                <a:t>error</a:t>
+              </a:r>
+              <a:endParaRPr lang="en-US" sz="1400" dirty="0"/>
+            </a:p>
+          </p:txBody>
+        </p:sp>
+      </p:grpSp>
     </p:spTree>
     <p:extLst>
       <p:ext uri="{BB962C8B-B14F-4D97-AF65-F5344CB8AC3E}">
         <p14:creationId xmlns:p14="http://schemas.microsoft.com/office/powerpoint/2010/main" val="114669402"/>
+      </p:ext>
+    </p:extLst>
+  </p:cSld>
+  <p:clrMapOvr>
+    <a:masterClrMapping/>
+  </p:clrMapOvr>
+</p:sld>
+</file>
+
+<file path=ppt/slides/slide2.xml><?xml version="1.0" encoding="utf-8"?>
+<p:sld xmlns:a="http://schemas.openxmlformats.org/drawingml/2006/main" xmlns:r="http://schemas.openxmlformats.org/officeDocument/2006/relationships" xmlns:p="http://schemas.openxmlformats.org/presentationml/2006/main">
+  <p:cSld>
+    <p:spTree>
+      <p:nvGrpSpPr>
+        <p:cNvPr id="1" name=""/>
+        <p:cNvGrpSpPr/>
+        <p:nvPr/>
+      </p:nvGrpSpPr>
+      <p:grpSpPr>
+        <a:xfrm>
+          <a:off x="0" y="0"/>
+          <a:ext cx="0" cy="0"/>
+          <a:chOff x="0" y="0"/>
+          <a:chExt cx="0" cy="0"/>
+        </a:xfrm>
+      </p:grpSpPr>
+      <p:grpSp>
+        <p:nvGrpSpPr>
+          <p:cNvPr id="58" name="Group 57">
+            <a:extLst>
+              <a:ext uri="{FF2B5EF4-FFF2-40B4-BE49-F238E27FC236}">
+                <a16:creationId xmlns:a16="http://schemas.microsoft.com/office/drawing/2014/main" id="{44A186CD-2B41-DFBE-34D7-F37D4A49C77A}"/>
+              </a:ext>
+            </a:extLst>
+          </p:cNvPr>
+          <p:cNvGrpSpPr/>
+          <p:nvPr/>
+        </p:nvGrpSpPr>
+        <p:grpSpPr>
+          <a:xfrm>
+            <a:off x="6612332" y="1619954"/>
+            <a:ext cx="2407920" cy="1648793"/>
+            <a:chOff x="6612332" y="2068522"/>
+            <a:chExt cx="2407920" cy="1648793"/>
+          </a:xfrm>
+        </p:grpSpPr>
+        <p:cxnSp>
+          <p:nvCxnSpPr>
+            <p:cNvPr id="27" name="Straight Connector 26">
+              <a:extLst>
+                <a:ext uri="{FF2B5EF4-FFF2-40B4-BE49-F238E27FC236}">
+                  <a16:creationId xmlns:a16="http://schemas.microsoft.com/office/drawing/2014/main" id="{1F1A62F1-94D7-FA1C-C54B-3441FB812838}"/>
+                </a:ext>
+              </a:extLst>
+            </p:cNvPr>
+            <p:cNvCxnSpPr>
+              <a:cxnSpLocks/>
+            </p:cNvCxnSpPr>
+            <p:nvPr/>
+          </p:nvCxnSpPr>
+          <p:spPr>
+            <a:xfrm>
+              <a:off x="6612332" y="2834639"/>
+              <a:ext cx="2407920" cy="0"/>
+            </a:xfrm>
+            <a:prstGeom prst="line">
+              <a:avLst/>
+            </a:prstGeom>
+            <a:ln w="22225" cap="rnd">
+              <a:solidFill>
+                <a:schemeClr val="bg1">
+                  <a:lumMod val="75000"/>
+                </a:schemeClr>
+              </a:solidFill>
+              <a:prstDash val="sysDash"/>
+            </a:ln>
+          </p:spPr>
+          <p:style>
+            <a:lnRef idx="1">
+              <a:schemeClr val="accent1"/>
+            </a:lnRef>
+            <a:fillRef idx="0">
+              <a:schemeClr val="accent1"/>
+            </a:fillRef>
+            <a:effectRef idx="0">
+              <a:schemeClr val="accent1"/>
+            </a:effectRef>
+            <a:fontRef idx="minor">
+              <a:schemeClr val="tx1"/>
+            </a:fontRef>
+          </p:style>
+        </p:cxnSp>
+        <p:sp>
+          <p:nvSpPr>
+            <p:cNvPr id="16" name="Oval 15">
+              <a:extLst>
+                <a:ext uri="{FF2B5EF4-FFF2-40B4-BE49-F238E27FC236}">
+                  <a16:creationId xmlns:a16="http://schemas.microsoft.com/office/drawing/2014/main" id="{B65B30CB-5E25-45ED-13E1-DC54C91B061E}"/>
+                </a:ext>
+              </a:extLst>
+            </p:cNvPr>
+            <p:cNvSpPr/>
+            <p:nvPr/>
+          </p:nvSpPr>
+          <p:spPr>
+            <a:xfrm>
+              <a:off x="6702675" y="2084539"/>
+              <a:ext cx="45719" cy="45719"/>
+            </a:xfrm>
+            <a:prstGeom prst="ellipse">
+              <a:avLst/>
+            </a:prstGeom>
+            <a:solidFill>
+              <a:schemeClr val="tx1"/>
+            </a:solidFill>
+            <a:ln>
+              <a:solidFill>
+                <a:schemeClr val="tx1"/>
+              </a:solidFill>
+            </a:ln>
+          </p:spPr>
+          <p:style>
+            <a:lnRef idx="2">
+              <a:schemeClr val="accent1">
+                <a:shade val="15000"/>
+              </a:schemeClr>
+            </a:lnRef>
+            <a:fillRef idx="1">
+              <a:schemeClr val="accent1"/>
+            </a:fillRef>
+            <a:effectRef idx="0">
+              <a:schemeClr val="accent1"/>
+            </a:effectRef>
+            <a:fontRef idx="minor">
+              <a:schemeClr val="lt1"/>
+            </a:fontRef>
+          </p:style>
+          <p:txBody>
+            <a:bodyPr rtlCol="0" anchor="ctr"/>
+            <a:lstStyle/>
+            <a:p>
+              <a:pPr algn="ctr"/>
+              <a:endParaRPr lang="en-US"/>
+            </a:p>
+          </p:txBody>
+        </p:sp>
+        <p:sp>
+          <p:nvSpPr>
+            <p:cNvPr id="17" name="Oval 16">
+              <a:extLst>
+                <a:ext uri="{FF2B5EF4-FFF2-40B4-BE49-F238E27FC236}">
+                  <a16:creationId xmlns:a16="http://schemas.microsoft.com/office/drawing/2014/main" id="{23376597-A907-8987-E293-916F3FCA84E6}"/>
+                </a:ext>
+              </a:extLst>
+            </p:cNvPr>
+            <p:cNvSpPr/>
+            <p:nvPr/>
+          </p:nvSpPr>
+          <p:spPr>
+            <a:xfrm>
+              <a:off x="7710560" y="2084538"/>
+              <a:ext cx="45719" cy="45719"/>
+            </a:xfrm>
+            <a:prstGeom prst="ellipse">
+              <a:avLst/>
+            </a:prstGeom>
+            <a:solidFill>
+              <a:schemeClr val="tx1"/>
+            </a:solidFill>
+            <a:ln>
+              <a:solidFill>
+                <a:schemeClr val="tx1"/>
+              </a:solidFill>
+            </a:ln>
+          </p:spPr>
+          <p:style>
+            <a:lnRef idx="2">
+              <a:schemeClr val="accent1">
+                <a:shade val="15000"/>
+              </a:schemeClr>
+            </a:lnRef>
+            <a:fillRef idx="1">
+              <a:schemeClr val="accent1"/>
+            </a:fillRef>
+            <a:effectRef idx="0">
+              <a:schemeClr val="accent1"/>
+            </a:effectRef>
+            <a:fontRef idx="minor">
+              <a:schemeClr val="lt1"/>
+            </a:fontRef>
+          </p:style>
+          <p:txBody>
+            <a:bodyPr rtlCol="0" anchor="ctr"/>
+            <a:lstStyle/>
+            <a:p>
+              <a:pPr algn="ctr"/>
+              <a:endParaRPr lang="en-US"/>
+            </a:p>
+          </p:txBody>
+        </p:sp>
+        <p:sp>
+          <p:nvSpPr>
+            <p:cNvPr id="18" name="Oval 17">
+              <a:extLst>
+                <a:ext uri="{FF2B5EF4-FFF2-40B4-BE49-F238E27FC236}">
+                  <a16:creationId xmlns:a16="http://schemas.microsoft.com/office/drawing/2014/main" id="{49A46209-1C1D-EA39-321F-6C1A0A82EACE}"/>
+                </a:ext>
+              </a:extLst>
+            </p:cNvPr>
+            <p:cNvSpPr/>
+            <p:nvPr/>
+          </p:nvSpPr>
+          <p:spPr>
+            <a:xfrm>
+              <a:off x="6698123" y="3671596"/>
+              <a:ext cx="45719" cy="45719"/>
+            </a:xfrm>
+            <a:prstGeom prst="ellipse">
+              <a:avLst/>
+            </a:prstGeom>
+            <a:solidFill>
+              <a:schemeClr val="tx1"/>
+            </a:solidFill>
+            <a:ln>
+              <a:solidFill>
+                <a:schemeClr val="tx1"/>
+              </a:solidFill>
+            </a:ln>
+          </p:spPr>
+          <p:style>
+            <a:lnRef idx="2">
+              <a:schemeClr val="accent1">
+                <a:shade val="15000"/>
+              </a:schemeClr>
+            </a:lnRef>
+            <a:fillRef idx="1">
+              <a:schemeClr val="accent1"/>
+            </a:fillRef>
+            <a:effectRef idx="0">
+              <a:schemeClr val="accent1"/>
+            </a:effectRef>
+            <a:fontRef idx="minor">
+              <a:schemeClr val="lt1"/>
+            </a:fontRef>
+          </p:style>
+          <p:txBody>
+            <a:bodyPr rtlCol="0" anchor="ctr"/>
+            <a:lstStyle/>
+            <a:p>
+              <a:pPr algn="ctr"/>
+              <a:endParaRPr lang="en-US"/>
+            </a:p>
+          </p:txBody>
+        </p:sp>
+        <p:sp>
+          <p:nvSpPr>
+            <p:cNvPr id="19" name="Oval 18">
+              <a:extLst>
+                <a:ext uri="{FF2B5EF4-FFF2-40B4-BE49-F238E27FC236}">
+                  <a16:creationId xmlns:a16="http://schemas.microsoft.com/office/drawing/2014/main" id="{263B4BBE-FBBB-586D-C79E-9584C9CA02EB}"/>
+                </a:ext>
+              </a:extLst>
+            </p:cNvPr>
+            <p:cNvSpPr/>
+            <p:nvPr/>
+          </p:nvSpPr>
+          <p:spPr>
+            <a:xfrm>
+              <a:off x="7706008" y="3671595"/>
+              <a:ext cx="45719" cy="45719"/>
+            </a:xfrm>
+            <a:prstGeom prst="ellipse">
+              <a:avLst/>
+            </a:prstGeom>
+            <a:solidFill>
+              <a:schemeClr val="tx1"/>
+            </a:solidFill>
+            <a:ln>
+              <a:solidFill>
+                <a:schemeClr val="tx1"/>
+              </a:solidFill>
+            </a:ln>
+          </p:spPr>
+          <p:style>
+            <a:lnRef idx="2">
+              <a:schemeClr val="accent1">
+                <a:shade val="15000"/>
+              </a:schemeClr>
+            </a:lnRef>
+            <a:fillRef idx="1">
+              <a:schemeClr val="accent1"/>
+            </a:fillRef>
+            <a:effectRef idx="0">
+              <a:schemeClr val="accent1"/>
+            </a:effectRef>
+            <a:fontRef idx="minor">
+              <a:schemeClr val="lt1"/>
+            </a:fontRef>
+          </p:style>
+          <p:txBody>
+            <a:bodyPr rtlCol="0" anchor="ctr"/>
+            <a:lstStyle/>
+            <a:p>
+              <a:pPr algn="ctr"/>
+              <a:endParaRPr lang="en-US"/>
+            </a:p>
+          </p:txBody>
+        </p:sp>
+        <p:cxnSp>
+          <p:nvCxnSpPr>
+            <p:cNvPr id="23" name="Straight Arrow Connector 22">
+              <a:extLst>
+                <a:ext uri="{FF2B5EF4-FFF2-40B4-BE49-F238E27FC236}">
+                  <a16:creationId xmlns:a16="http://schemas.microsoft.com/office/drawing/2014/main" id="{47A0AF5A-3FAF-C0C9-5968-095AED780E55}"/>
+                </a:ext>
+              </a:extLst>
+            </p:cNvPr>
+            <p:cNvCxnSpPr>
+              <a:cxnSpLocks/>
+            </p:cNvCxnSpPr>
+            <p:nvPr/>
+          </p:nvCxnSpPr>
+          <p:spPr>
+            <a:xfrm>
+              <a:off x="7734955" y="2834639"/>
+              <a:ext cx="304145" cy="0"/>
+            </a:xfrm>
+            <a:prstGeom prst="straightConnector1">
+              <a:avLst/>
+            </a:prstGeom>
+            <a:ln w="22225">
+              <a:solidFill>
+                <a:schemeClr val="tx1"/>
+              </a:solidFill>
+              <a:tailEnd type="arrow" w="med" len="lg"/>
+            </a:ln>
+          </p:spPr>
+          <p:style>
+            <a:lnRef idx="1">
+              <a:schemeClr val="accent1"/>
+            </a:lnRef>
+            <a:fillRef idx="0">
+              <a:schemeClr val="accent1"/>
+            </a:fillRef>
+            <a:effectRef idx="0">
+              <a:schemeClr val="accent1"/>
+            </a:effectRef>
+            <a:fontRef idx="minor">
+              <a:schemeClr val="tx1"/>
+            </a:fontRef>
+          </p:style>
+        </p:cxnSp>
+        <mc:AlternateContent xmlns:mc="http://schemas.openxmlformats.org/markup-compatibility/2006">
+          <mc:Choice xmlns:a14="http://schemas.microsoft.com/office/drawing/2010/main" Requires="a14">
+            <p:sp>
+              <p:nvSpPr>
+                <p:cNvPr id="38" name="TextBox 37">
+                  <a:extLst>
+                    <a:ext uri="{FF2B5EF4-FFF2-40B4-BE49-F238E27FC236}">
+                      <a16:creationId xmlns:a16="http://schemas.microsoft.com/office/drawing/2014/main" id="{D3BB06AE-A0E5-E882-A39C-F57D7A1E87FF}"/>
+                    </a:ext>
+                  </a:extLst>
+                </p:cNvPr>
+                <p:cNvSpPr txBox="1"/>
+                <p:nvPr/>
+              </p:nvSpPr>
+              <p:spPr>
+                <a:xfrm>
+                  <a:off x="7772106" y="2449913"/>
+                  <a:ext cx="401949" cy="369332"/>
+                </a:xfrm>
+                <a:prstGeom prst="rect">
+                  <a:avLst/>
+                </a:prstGeom>
+                <a:noFill/>
+              </p:spPr>
+              <p:txBody>
+                <a:bodyPr wrap="square" rtlCol="0">
+                  <a:spAutoFit/>
+                </a:bodyPr>
+                <a:lstStyle/>
+                <a:p>
+                  <a14:m>
+                    <m:oMathPara xmlns:m="http://schemas.openxmlformats.org/officeDocument/2006/math">
+                      <m:oMathParaPr>
+                        <m:jc m:val="centerGroup"/>
+                      </m:oMathParaPr>
+                      <m:oMath xmlns:m="http://schemas.openxmlformats.org/officeDocument/2006/math">
+                        <m:acc>
+                          <m:accPr>
+                            <m:chr m:val="̂"/>
+                            <m:ctrlPr>
+                              <a:rPr lang="en-US" i="1" smtClean="0">
+                                <a:latin typeface="Cambria Math" panose="02040503050406030204" pitchFamily="18" charset="0"/>
+                              </a:rPr>
+                            </m:ctrlPr>
+                          </m:accPr>
+                          <m:e>
+                            <m:r>
+                              <a:rPr lang="en-US" b="0" i="1" smtClean="0">
+                                <a:latin typeface="Cambria Math" panose="02040503050406030204" pitchFamily="18" charset="0"/>
+                              </a:rPr>
+                              <m:t>𝑛</m:t>
+                            </m:r>
+                          </m:e>
+                        </m:acc>
+                      </m:oMath>
+                    </m:oMathPara>
+                  </a14:m>
+                  <a:endParaRPr lang="en-US" dirty="0"/>
+                </a:p>
+              </p:txBody>
+            </p:sp>
+          </mc:Choice>
+          <mc:Fallback>
+            <p:sp>
+              <p:nvSpPr>
+                <p:cNvPr id="38" name="TextBox 37">
+                  <a:extLst>
+                    <a:ext uri="{FF2B5EF4-FFF2-40B4-BE49-F238E27FC236}">
+                      <a16:creationId xmlns:a16="http://schemas.microsoft.com/office/drawing/2014/main" id="{D3BB06AE-A0E5-E882-A39C-F57D7A1E87FF}"/>
+                    </a:ext>
+                  </a:extLst>
+                </p:cNvPr>
+                <p:cNvSpPr txBox="1">
+                  <a:spLocks noRot="1" noChangeAspect="1" noMove="1" noResize="1" noEditPoints="1" noAdjustHandles="1" noChangeArrowheads="1" noChangeShapeType="1" noTextEdit="1"/>
+                </p:cNvSpPr>
+                <p:nvPr/>
+              </p:nvSpPr>
+              <p:spPr>
+                <a:xfrm>
+                  <a:off x="7772106" y="2449913"/>
+                  <a:ext cx="401949" cy="369332"/>
+                </a:xfrm>
+                <a:prstGeom prst="rect">
+                  <a:avLst/>
+                </a:prstGeom>
+                <a:blipFill>
+                  <a:blip r:embed="rId2"/>
+                  <a:stretch>
+                    <a:fillRect t="-6557" r="-16667"/>
+                  </a:stretch>
+                </a:blipFill>
+              </p:spPr>
+              <p:txBody>
+                <a:bodyPr/>
+                <a:lstStyle/>
+                <a:p>
+                  <a:r>
+                    <a:rPr lang="en-US">
+                      <a:noFill/>
+                    </a:rPr>
+                    <a:t> </a:t>
+                  </a:r>
+                </a:p>
+              </p:txBody>
+            </p:sp>
+          </mc:Fallback>
+        </mc:AlternateContent>
+        <mc:AlternateContent xmlns:mc="http://schemas.openxmlformats.org/markup-compatibility/2006">
+          <mc:Choice xmlns:a14="http://schemas.microsoft.com/office/drawing/2010/main" Requires="a14">
+            <p:sp>
+              <p:nvSpPr>
+                <p:cNvPr id="40" name="TextBox 39">
+                  <a:extLst>
+                    <a:ext uri="{FF2B5EF4-FFF2-40B4-BE49-F238E27FC236}">
+                      <a16:creationId xmlns:a16="http://schemas.microsoft.com/office/drawing/2014/main" id="{3F129BF6-57EF-15A7-E64D-3AEF851C4BF4}"/>
+                    </a:ext>
+                  </a:extLst>
+                </p:cNvPr>
+                <p:cNvSpPr txBox="1"/>
+                <p:nvPr/>
+              </p:nvSpPr>
+              <p:spPr>
+                <a:xfrm>
+                  <a:off x="7391394" y="2488167"/>
+                  <a:ext cx="401949" cy="369332"/>
+                </a:xfrm>
+                <a:prstGeom prst="rect">
+                  <a:avLst/>
+                </a:prstGeom>
+                <a:noFill/>
+              </p:spPr>
+              <p:txBody>
+                <a:bodyPr wrap="square" rtlCol="0">
+                  <a:spAutoFit/>
+                </a:bodyPr>
+                <a:lstStyle/>
+                <a:p>
+                  <a14:m>
+                    <m:oMathPara xmlns:m="http://schemas.openxmlformats.org/officeDocument/2006/math">
+                      <m:oMathParaPr>
+                        <m:jc m:val="centerGroup"/>
+                      </m:oMathParaPr>
+                      <m:oMath xmlns:m="http://schemas.openxmlformats.org/officeDocument/2006/math">
+                        <m:r>
+                          <a:rPr lang="en-US" i="1" smtClean="0">
+                            <a:solidFill>
+                              <a:schemeClr val="accent5"/>
+                            </a:solidFill>
+                            <a:latin typeface="Cambria Math" panose="02040503050406030204" pitchFamily="18" charset="0"/>
+                          </a:rPr>
+                          <m:t>𝑑</m:t>
+                        </m:r>
+                      </m:oMath>
+                    </m:oMathPara>
+                  </a14:m>
+                  <a:endParaRPr lang="en-US" dirty="0"/>
+                </a:p>
+              </p:txBody>
+            </p:sp>
+          </mc:Choice>
+          <mc:Fallback>
+            <p:sp>
+              <p:nvSpPr>
+                <p:cNvPr id="40" name="TextBox 39">
+                  <a:extLst>
+                    <a:ext uri="{FF2B5EF4-FFF2-40B4-BE49-F238E27FC236}">
+                      <a16:creationId xmlns:a16="http://schemas.microsoft.com/office/drawing/2014/main" id="{3F129BF6-57EF-15A7-E64D-3AEF851C4BF4}"/>
+                    </a:ext>
+                  </a:extLst>
+                </p:cNvPr>
+                <p:cNvSpPr txBox="1">
+                  <a:spLocks noRot="1" noChangeAspect="1" noMove="1" noResize="1" noEditPoints="1" noAdjustHandles="1" noChangeArrowheads="1" noChangeShapeType="1" noTextEdit="1"/>
+                </p:cNvSpPr>
+                <p:nvPr/>
+              </p:nvSpPr>
+              <p:spPr>
+                <a:xfrm>
+                  <a:off x="7391394" y="2488167"/>
+                  <a:ext cx="401949" cy="369332"/>
+                </a:xfrm>
+                <a:prstGeom prst="rect">
+                  <a:avLst/>
+                </a:prstGeom>
+                <a:blipFill>
+                  <a:blip r:embed="rId3"/>
+                  <a:stretch>
+                    <a:fillRect/>
+                  </a:stretch>
+                </a:blipFill>
+              </p:spPr>
+              <p:txBody>
+                <a:bodyPr/>
+                <a:lstStyle/>
+                <a:p>
+                  <a:r>
+                    <a:rPr lang="en-US">
+                      <a:noFill/>
+                    </a:rPr>
+                    <a:t> </a:t>
+                  </a:r>
+                </a:p>
+              </p:txBody>
+            </p:sp>
+          </mc:Fallback>
+        </mc:AlternateContent>
+        <p:cxnSp>
+          <p:nvCxnSpPr>
+            <p:cNvPr id="44" name="Straight Connector 43">
+              <a:extLst>
+                <a:ext uri="{FF2B5EF4-FFF2-40B4-BE49-F238E27FC236}">
+                  <a16:creationId xmlns:a16="http://schemas.microsoft.com/office/drawing/2014/main" id="{9212BE00-99EE-5069-E55A-3FC357193B7F}"/>
+                </a:ext>
+              </a:extLst>
+            </p:cNvPr>
+            <p:cNvCxnSpPr>
+              <a:cxnSpLocks/>
+            </p:cNvCxnSpPr>
+            <p:nvPr/>
+          </p:nvCxnSpPr>
+          <p:spPr>
+            <a:xfrm>
+              <a:off x="7431098" y="2834639"/>
+              <a:ext cx="305107" cy="0"/>
+            </a:xfrm>
+            <a:prstGeom prst="line">
+              <a:avLst/>
+            </a:prstGeom>
+            <a:ln w="22225" cap="flat">
+              <a:solidFill>
+                <a:schemeClr val="accent5"/>
+              </a:solidFill>
+              <a:prstDash val="solid"/>
+              <a:bevel/>
+            </a:ln>
+          </p:spPr>
+          <p:style>
+            <a:lnRef idx="1">
+              <a:schemeClr val="accent1"/>
+            </a:lnRef>
+            <a:fillRef idx="0">
+              <a:schemeClr val="accent1"/>
+            </a:fillRef>
+            <a:effectRef idx="0">
+              <a:schemeClr val="accent1"/>
+            </a:effectRef>
+            <a:fontRef idx="minor">
+              <a:schemeClr val="tx1"/>
+            </a:fontRef>
+          </p:style>
+        </p:cxnSp>
+        <p:grpSp>
+          <p:nvGrpSpPr>
+            <p:cNvPr id="41" name="Group 40">
+              <a:extLst>
+                <a:ext uri="{FF2B5EF4-FFF2-40B4-BE49-F238E27FC236}">
+                  <a16:creationId xmlns:a16="http://schemas.microsoft.com/office/drawing/2014/main" id="{251B35BD-46C5-F405-D03E-BF46062DD67E}"/>
+                </a:ext>
+              </a:extLst>
+            </p:cNvPr>
+            <p:cNvGrpSpPr/>
+            <p:nvPr/>
+          </p:nvGrpSpPr>
+          <p:grpSpPr>
+            <a:xfrm>
+              <a:off x="7431098" y="2068522"/>
+              <a:ext cx="1501447" cy="1501447"/>
+              <a:chOff x="7431098" y="2068522"/>
+              <a:chExt cx="1501447" cy="1501447"/>
+            </a:xfrm>
+          </p:grpSpPr>
+          <p:sp>
+            <p:nvSpPr>
+              <p:cNvPr id="21" name="Oval 20">
+                <a:extLst>
+                  <a:ext uri="{FF2B5EF4-FFF2-40B4-BE49-F238E27FC236}">
+                    <a16:creationId xmlns:a16="http://schemas.microsoft.com/office/drawing/2014/main" id="{9D16312D-114B-573D-0DE6-86B0E09E95D3}"/>
+                  </a:ext>
+                </a:extLst>
+              </p:cNvPr>
+              <p:cNvSpPr/>
+              <p:nvPr/>
+            </p:nvSpPr>
+            <p:spPr>
+              <a:xfrm>
+                <a:off x="7431098" y="2068522"/>
+                <a:ext cx="1501447" cy="1501447"/>
+              </a:xfrm>
+              <a:prstGeom prst="ellipse">
+                <a:avLst/>
+              </a:prstGeom>
+              <a:noFill/>
+              <a:ln w="22225">
+                <a:solidFill>
+                  <a:schemeClr val="tx1"/>
+                </a:solidFill>
+              </a:ln>
+            </p:spPr>
+            <p:style>
+              <a:lnRef idx="2">
+                <a:schemeClr val="accent1">
+                  <a:shade val="15000"/>
+                </a:schemeClr>
+              </a:lnRef>
+              <a:fillRef idx="1">
+                <a:schemeClr val="accent1"/>
+              </a:fillRef>
+              <a:effectRef idx="0">
+                <a:schemeClr val="accent1"/>
+              </a:effectRef>
+              <a:fontRef idx="minor">
+                <a:schemeClr val="lt1"/>
+              </a:fontRef>
+            </p:style>
+            <p:txBody>
+              <a:bodyPr rtlCol="0" anchor="ctr"/>
+              <a:lstStyle/>
+              <a:p>
+                <a:pPr algn="ctr"/>
+                <a:endParaRPr lang="en-US"/>
+              </a:p>
+            </p:txBody>
+          </p:sp>
+          <p:sp>
+            <p:nvSpPr>
+              <p:cNvPr id="22" name="Oval 21">
+                <a:extLst>
+                  <a:ext uri="{FF2B5EF4-FFF2-40B4-BE49-F238E27FC236}">
+                    <a16:creationId xmlns:a16="http://schemas.microsoft.com/office/drawing/2014/main" id="{3301949D-27D2-7310-9B82-9C55BCD9B093}"/>
+                  </a:ext>
+                </a:extLst>
+              </p:cNvPr>
+              <p:cNvSpPr/>
+              <p:nvPr/>
+            </p:nvSpPr>
+            <p:spPr>
+              <a:xfrm>
+                <a:off x="8158961" y="2811780"/>
+                <a:ext cx="45719" cy="45719"/>
+              </a:xfrm>
+              <a:prstGeom prst="ellipse">
+                <a:avLst/>
+              </a:prstGeom>
+              <a:solidFill>
+                <a:schemeClr val="tx1"/>
+              </a:solidFill>
+              <a:ln>
+                <a:solidFill>
+                  <a:schemeClr val="tx1"/>
+                </a:solidFill>
+              </a:ln>
+            </p:spPr>
+            <p:style>
+              <a:lnRef idx="2">
+                <a:schemeClr val="accent1">
+                  <a:shade val="15000"/>
+                </a:schemeClr>
+              </a:lnRef>
+              <a:fillRef idx="1">
+                <a:schemeClr val="accent1"/>
+              </a:fillRef>
+              <a:effectRef idx="0">
+                <a:schemeClr val="accent1"/>
+              </a:effectRef>
+              <a:fontRef idx="minor">
+                <a:schemeClr val="lt1"/>
+              </a:fontRef>
+            </p:style>
+            <p:txBody>
+              <a:bodyPr rtlCol="0" anchor="ctr"/>
+              <a:lstStyle/>
+              <a:p>
+                <a:pPr algn="ctr"/>
+                <a:endParaRPr lang="en-US"/>
+              </a:p>
+            </p:txBody>
+          </p:sp>
+        </p:grpSp>
+        <p:sp>
+          <p:nvSpPr>
+            <p:cNvPr id="15" name="Rectangle 14">
+              <a:extLst>
+                <a:ext uri="{FF2B5EF4-FFF2-40B4-BE49-F238E27FC236}">
+                  <a16:creationId xmlns:a16="http://schemas.microsoft.com/office/drawing/2014/main" id="{FC2F9E1B-318F-431D-67D0-A0C86EE3A439}"/>
+                </a:ext>
+              </a:extLst>
+            </p:cNvPr>
+            <p:cNvSpPr/>
+            <p:nvPr/>
+          </p:nvSpPr>
+          <p:spPr>
+            <a:xfrm>
+              <a:off x="6725541" y="2107398"/>
+              <a:ext cx="1007872" cy="1592111"/>
+            </a:xfrm>
+            <a:prstGeom prst="rect">
+              <a:avLst/>
+            </a:prstGeom>
+            <a:noFill/>
+            <a:ln w="22225">
+              <a:solidFill>
+                <a:schemeClr val="tx1"/>
+              </a:solidFill>
+            </a:ln>
+          </p:spPr>
+          <p:style>
+            <a:lnRef idx="2">
+              <a:schemeClr val="accent1">
+                <a:shade val="15000"/>
+              </a:schemeClr>
+            </a:lnRef>
+            <a:fillRef idx="1">
+              <a:schemeClr val="accent1"/>
+            </a:fillRef>
+            <a:effectRef idx="0">
+              <a:schemeClr val="accent1"/>
+            </a:effectRef>
+            <a:fontRef idx="minor">
+              <a:schemeClr val="lt1"/>
+            </a:fontRef>
+          </p:style>
+          <p:txBody>
+            <a:bodyPr rtlCol="0" anchor="ctr"/>
+            <a:lstStyle/>
+            <a:p>
+              <a:pPr algn="ctr"/>
+              <a:endParaRPr lang="en-US"/>
+            </a:p>
+          </p:txBody>
+        </p:sp>
+      </p:grpSp>
+      <p:grpSp>
+        <p:nvGrpSpPr>
+          <p:cNvPr id="57" name="Group 56">
+            <a:extLst>
+              <a:ext uri="{FF2B5EF4-FFF2-40B4-BE49-F238E27FC236}">
+                <a16:creationId xmlns:a16="http://schemas.microsoft.com/office/drawing/2014/main" id="{286C22C7-CB1E-AB29-7759-38F7FDCF50CA}"/>
+              </a:ext>
+            </a:extLst>
+          </p:cNvPr>
+          <p:cNvGrpSpPr/>
+          <p:nvPr/>
+        </p:nvGrpSpPr>
+        <p:grpSpPr>
+          <a:xfrm>
+            <a:off x="3545662" y="1424128"/>
+            <a:ext cx="2153663" cy="2040445"/>
+            <a:chOff x="3545662" y="1171386"/>
+            <a:chExt cx="2153663" cy="2040445"/>
+          </a:xfrm>
+        </p:grpSpPr>
+        <p:cxnSp>
+          <p:nvCxnSpPr>
+            <p:cNvPr id="31" name="Straight Connector 30">
+              <a:extLst>
+                <a:ext uri="{FF2B5EF4-FFF2-40B4-BE49-F238E27FC236}">
+                  <a16:creationId xmlns:a16="http://schemas.microsoft.com/office/drawing/2014/main" id="{8335D0B7-ECFB-2210-8A2D-C5BDA0B3DA05}"/>
+                </a:ext>
+              </a:extLst>
+            </p:cNvPr>
+            <p:cNvCxnSpPr>
+              <a:cxnSpLocks/>
+            </p:cNvCxnSpPr>
+            <p:nvPr/>
+          </p:nvCxnSpPr>
+          <p:spPr>
+            <a:xfrm flipV="1">
+              <a:off x="3545662" y="1448035"/>
+              <a:ext cx="2152011" cy="1409464"/>
+            </a:xfrm>
+            <a:prstGeom prst="line">
+              <a:avLst/>
+            </a:prstGeom>
+            <a:ln w="22225" cap="rnd">
+              <a:solidFill>
+                <a:schemeClr val="bg1">
+                  <a:lumMod val="75000"/>
+                </a:schemeClr>
+              </a:solidFill>
+              <a:prstDash val="sysDash"/>
+            </a:ln>
+          </p:spPr>
+          <p:style>
+            <a:lnRef idx="1">
+              <a:schemeClr val="accent1"/>
+            </a:lnRef>
+            <a:fillRef idx="0">
+              <a:schemeClr val="accent1"/>
+            </a:fillRef>
+            <a:effectRef idx="0">
+              <a:schemeClr val="accent1"/>
+            </a:effectRef>
+            <a:fontRef idx="minor">
+              <a:schemeClr val="tx1"/>
+            </a:fontRef>
+          </p:style>
+        </p:cxnSp>
+        <p:cxnSp>
+          <p:nvCxnSpPr>
+            <p:cNvPr id="51" name="Straight Connector 50">
+              <a:extLst>
+                <a:ext uri="{FF2B5EF4-FFF2-40B4-BE49-F238E27FC236}">
+                  <a16:creationId xmlns:a16="http://schemas.microsoft.com/office/drawing/2014/main" id="{D0CB623D-7D9E-A89A-4113-D4C4BCB6C2CE}"/>
+                </a:ext>
+              </a:extLst>
+            </p:cNvPr>
+            <p:cNvCxnSpPr>
+              <a:cxnSpLocks/>
+            </p:cNvCxnSpPr>
+            <p:nvPr/>
+          </p:nvCxnSpPr>
+          <p:spPr>
+            <a:xfrm flipV="1">
+              <a:off x="4330065" y="2137410"/>
+              <a:ext cx="318135" cy="203835"/>
+            </a:xfrm>
+            <a:prstGeom prst="line">
+              <a:avLst/>
+            </a:prstGeom>
+            <a:ln w="22225" cap="flat">
+              <a:solidFill>
+                <a:schemeClr val="accent5"/>
+              </a:solidFill>
+              <a:prstDash val="solid"/>
+              <a:bevel/>
+            </a:ln>
+          </p:spPr>
+          <p:style>
+            <a:lnRef idx="1">
+              <a:schemeClr val="accent1"/>
+            </a:lnRef>
+            <a:fillRef idx="0">
+              <a:schemeClr val="accent1"/>
+            </a:fillRef>
+            <a:effectRef idx="0">
+              <a:schemeClr val="accent1"/>
+            </a:effectRef>
+            <a:fontRef idx="minor">
+              <a:schemeClr val="tx1"/>
+            </a:fontRef>
+          </p:style>
+        </p:cxnSp>
+        <p:sp>
+          <p:nvSpPr>
+            <p:cNvPr id="2" name="Rectangle 1">
+              <a:extLst>
+                <a:ext uri="{FF2B5EF4-FFF2-40B4-BE49-F238E27FC236}">
+                  <a16:creationId xmlns:a16="http://schemas.microsoft.com/office/drawing/2014/main" id="{F92B4717-8E50-9383-A74C-DFD6A55388F4}"/>
+                </a:ext>
+              </a:extLst>
+            </p:cNvPr>
+            <p:cNvSpPr/>
+            <p:nvPr/>
+          </p:nvSpPr>
+          <p:spPr>
+            <a:xfrm>
+              <a:off x="3643255" y="2130258"/>
+              <a:ext cx="1007872" cy="1058712"/>
+            </a:xfrm>
+            <a:prstGeom prst="rect">
+              <a:avLst/>
+            </a:prstGeom>
+            <a:noFill/>
+            <a:ln w="22225">
+              <a:solidFill>
+                <a:schemeClr val="tx1"/>
+              </a:solidFill>
+            </a:ln>
+          </p:spPr>
+          <p:style>
+            <a:lnRef idx="2">
+              <a:schemeClr val="accent1">
+                <a:shade val="15000"/>
+              </a:schemeClr>
+            </a:lnRef>
+            <a:fillRef idx="1">
+              <a:schemeClr val="accent1"/>
+            </a:fillRef>
+            <a:effectRef idx="0">
+              <a:schemeClr val="accent1"/>
+            </a:effectRef>
+            <a:fontRef idx="minor">
+              <a:schemeClr val="lt1"/>
+            </a:fontRef>
+          </p:style>
+          <p:txBody>
+            <a:bodyPr rtlCol="0" anchor="ctr"/>
+            <a:lstStyle/>
+            <a:p>
+              <a:pPr algn="ctr"/>
+              <a:endParaRPr lang="en-US"/>
+            </a:p>
+          </p:txBody>
+        </p:sp>
+        <p:sp>
+          <p:nvSpPr>
+            <p:cNvPr id="4" name="Oval 3">
+              <a:extLst>
+                <a:ext uri="{FF2B5EF4-FFF2-40B4-BE49-F238E27FC236}">
+                  <a16:creationId xmlns:a16="http://schemas.microsoft.com/office/drawing/2014/main" id="{D4F55FB2-1E08-6848-059B-2D2A3BA49C39}"/>
+                </a:ext>
+              </a:extLst>
+            </p:cNvPr>
+            <p:cNvSpPr/>
+            <p:nvPr/>
+          </p:nvSpPr>
+          <p:spPr>
+            <a:xfrm>
+              <a:off x="3620389" y="2107398"/>
+              <a:ext cx="45719" cy="45719"/>
+            </a:xfrm>
+            <a:prstGeom prst="ellipse">
+              <a:avLst/>
+            </a:prstGeom>
+            <a:solidFill>
+              <a:schemeClr val="tx1"/>
+            </a:solidFill>
+            <a:ln>
+              <a:solidFill>
+                <a:schemeClr val="tx1"/>
+              </a:solidFill>
+            </a:ln>
+          </p:spPr>
+          <p:style>
+            <a:lnRef idx="2">
+              <a:schemeClr val="accent1">
+                <a:shade val="15000"/>
+              </a:schemeClr>
+            </a:lnRef>
+            <a:fillRef idx="1">
+              <a:schemeClr val="accent1"/>
+            </a:fillRef>
+            <a:effectRef idx="0">
+              <a:schemeClr val="accent1"/>
+            </a:effectRef>
+            <a:fontRef idx="minor">
+              <a:schemeClr val="lt1"/>
+            </a:fontRef>
+          </p:style>
+          <p:txBody>
+            <a:bodyPr rtlCol="0" anchor="ctr"/>
+            <a:lstStyle/>
+            <a:p>
+              <a:pPr algn="ctr"/>
+              <a:endParaRPr lang="en-US"/>
+            </a:p>
+          </p:txBody>
+        </p:sp>
+        <p:sp>
+          <p:nvSpPr>
+            <p:cNvPr id="5" name="Oval 4">
+              <a:extLst>
+                <a:ext uri="{FF2B5EF4-FFF2-40B4-BE49-F238E27FC236}">
+                  <a16:creationId xmlns:a16="http://schemas.microsoft.com/office/drawing/2014/main" id="{823D2249-669E-0223-3CEA-DE2983C59FAC}"/>
+                </a:ext>
+              </a:extLst>
+            </p:cNvPr>
+            <p:cNvSpPr/>
+            <p:nvPr/>
+          </p:nvSpPr>
+          <p:spPr>
+            <a:xfrm>
+              <a:off x="4628274" y="2107397"/>
+              <a:ext cx="45719" cy="45719"/>
+            </a:xfrm>
+            <a:prstGeom prst="ellipse">
+              <a:avLst/>
+            </a:prstGeom>
+            <a:solidFill>
+              <a:schemeClr val="tx1"/>
+            </a:solidFill>
+            <a:ln>
+              <a:solidFill>
+                <a:schemeClr val="tx1"/>
+              </a:solidFill>
+            </a:ln>
+          </p:spPr>
+          <p:style>
+            <a:lnRef idx="2">
+              <a:schemeClr val="accent1">
+                <a:shade val="15000"/>
+              </a:schemeClr>
+            </a:lnRef>
+            <a:fillRef idx="1">
+              <a:schemeClr val="accent1"/>
+            </a:fillRef>
+            <a:effectRef idx="0">
+              <a:schemeClr val="accent1"/>
+            </a:effectRef>
+            <a:fontRef idx="minor">
+              <a:schemeClr val="lt1"/>
+            </a:fontRef>
+          </p:style>
+          <p:txBody>
+            <a:bodyPr rtlCol="0" anchor="ctr"/>
+            <a:lstStyle/>
+            <a:p>
+              <a:pPr algn="ctr"/>
+              <a:endParaRPr lang="en-US"/>
+            </a:p>
+          </p:txBody>
+        </p:sp>
+        <p:sp>
+          <p:nvSpPr>
+            <p:cNvPr id="6" name="Oval 5">
+              <a:extLst>
+                <a:ext uri="{FF2B5EF4-FFF2-40B4-BE49-F238E27FC236}">
+                  <a16:creationId xmlns:a16="http://schemas.microsoft.com/office/drawing/2014/main" id="{E3176CDA-1205-F03E-5F22-3B2504BB443B}"/>
+                </a:ext>
+              </a:extLst>
+            </p:cNvPr>
+            <p:cNvSpPr/>
+            <p:nvPr/>
+          </p:nvSpPr>
+          <p:spPr>
+            <a:xfrm>
+              <a:off x="3619506" y="3166112"/>
+              <a:ext cx="45719" cy="45719"/>
+            </a:xfrm>
+            <a:prstGeom prst="ellipse">
+              <a:avLst/>
+            </a:prstGeom>
+            <a:solidFill>
+              <a:schemeClr val="tx1"/>
+            </a:solidFill>
+            <a:ln>
+              <a:solidFill>
+                <a:schemeClr val="tx1"/>
+              </a:solidFill>
+            </a:ln>
+          </p:spPr>
+          <p:style>
+            <a:lnRef idx="2">
+              <a:schemeClr val="accent1">
+                <a:shade val="15000"/>
+              </a:schemeClr>
+            </a:lnRef>
+            <a:fillRef idx="1">
+              <a:schemeClr val="accent1"/>
+            </a:fillRef>
+            <a:effectRef idx="0">
+              <a:schemeClr val="accent1"/>
+            </a:effectRef>
+            <a:fontRef idx="minor">
+              <a:schemeClr val="lt1"/>
+            </a:fontRef>
+          </p:style>
+          <p:txBody>
+            <a:bodyPr rtlCol="0" anchor="ctr"/>
+            <a:lstStyle/>
+            <a:p>
+              <a:pPr algn="ctr"/>
+              <a:endParaRPr lang="en-US"/>
+            </a:p>
+          </p:txBody>
+        </p:sp>
+        <p:sp>
+          <p:nvSpPr>
+            <p:cNvPr id="7" name="Oval 6">
+              <a:extLst>
+                <a:ext uri="{FF2B5EF4-FFF2-40B4-BE49-F238E27FC236}">
+                  <a16:creationId xmlns:a16="http://schemas.microsoft.com/office/drawing/2014/main" id="{9394D308-024A-C0E6-5864-E76ADEE0580D}"/>
+                </a:ext>
+              </a:extLst>
+            </p:cNvPr>
+            <p:cNvSpPr/>
+            <p:nvPr/>
+          </p:nvSpPr>
+          <p:spPr>
+            <a:xfrm>
+              <a:off x="4627391" y="3166111"/>
+              <a:ext cx="45719" cy="45719"/>
+            </a:xfrm>
+            <a:prstGeom prst="ellipse">
+              <a:avLst/>
+            </a:prstGeom>
+            <a:solidFill>
+              <a:schemeClr val="tx1"/>
+            </a:solidFill>
+            <a:ln>
+              <a:solidFill>
+                <a:schemeClr val="tx1"/>
+              </a:solidFill>
+            </a:ln>
+          </p:spPr>
+          <p:style>
+            <a:lnRef idx="2">
+              <a:schemeClr val="accent1">
+                <a:shade val="15000"/>
+              </a:schemeClr>
+            </a:lnRef>
+            <a:fillRef idx="1">
+              <a:schemeClr val="accent1"/>
+            </a:fillRef>
+            <a:effectRef idx="0">
+              <a:schemeClr val="accent1"/>
+            </a:effectRef>
+            <a:fontRef idx="minor">
+              <a:schemeClr val="lt1"/>
+            </a:fontRef>
+          </p:style>
+          <p:txBody>
+            <a:bodyPr rtlCol="0" anchor="ctr"/>
+            <a:lstStyle/>
+            <a:p>
+              <a:pPr algn="ctr"/>
+              <a:endParaRPr lang="en-US"/>
+            </a:p>
+          </p:txBody>
+        </p:sp>
+        <p:cxnSp>
+          <p:nvCxnSpPr>
+            <p:cNvPr id="12" name="Straight Arrow Connector 11">
+              <a:extLst>
+                <a:ext uri="{FF2B5EF4-FFF2-40B4-BE49-F238E27FC236}">
+                  <a16:creationId xmlns:a16="http://schemas.microsoft.com/office/drawing/2014/main" id="{6D6300C2-4847-C21B-3AAE-F1A45EBB292B}"/>
+                </a:ext>
+              </a:extLst>
+            </p:cNvPr>
+            <p:cNvCxnSpPr>
+              <a:cxnSpLocks/>
+            </p:cNvCxnSpPr>
+            <p:nvPr/>
+          </p:nvCxnSpPr>
+          <p:spPr>
+            <a:xfrm flipV="1">
+              <a:off x="4655820" y="2000445"/>
+              <a:ext cx="200033" cy="129345"/>
+            </a:xfrm>
+            <a:prstGeom prst="straightConnector1">
+              <a:avLst/>
+            </a:prstGeom>
+            <a:ln w="22225">
+              <a:solidFill>
+                <a:schemeClr val="tx1"/>
+              </a:solidFill>
+              <a:tailEnd type="arrow" w="med" len="lg"/>
+            </a:ln>
+          </p:spPr>
+          <p:style>
+            <a:lnRef idx="1">
+              <a:schemeClr val="accent1"/>
+            </a:lnRef>
+            <a:fillRef idx="0">
+              <a:schemeClr val="accent1"/>
+            </a:fillRef>
+            <a:effectRef idx="0">
+              <a:schemeClr val="accent1"/>
+            </a:effectRef>
+            <a:fontRef idx="minor">
+              <a:schemeClr val="tx1"/>
+            </a:fontRef>
+          </p:style>
+        </p:cxnSp>
+        <mc:AlternateContent xmlns:mc="http://schemas.openxmlformats.org/markup-compatibility/2006">
+          <mc:Choice xmlns:a14="http://schemas.microsoft.com/office/drawing/2010/main" Requires="a14">
+            <p:sp>
+              <p:nvSpPr>
+                <p:cNvPr id="37" name="TextBox 36">
+                  <a:extLst>
+                    <a:ext uri="{FF2B5EF4-FFF2-40B4-BE49-F238E27FC236}">
+                      <a16:creationId xmlns:a16="http://schemas.microsoft.com/office/drawing/2014/main" id="{D91A7A43-BAF6-A70C-2686-48779EB248F6}"/>
+                    </a:ext>
+                  </a:extLst>
+                </p:cNvPr>
+                <p:cNvSpPr txBox="1"/>
+                <p:nvPr/>
+              </p:nvSpPr>
+              <p:spPr>
+                <a:xfrm>
+                  <a:off x="4488186" y="1714739"/>
+                  <a:ext cx="401949" cy="369332"/>
+                </a:xfrm>
+                <a:prstGeom prst="rect">
+                  <a:avLst/>
+                </a:prstGeom>
+                <a:noFill/>
+              </p:spPr>
+              <p:txBody>
+                <a:bodyPr wrap="square" rtlCol="0">
+                  <a:spAutoFit/>
+                </a:bodyPr>
+                <a:lstStyle/>
+                <a:p>
+                  <a14:m>
+                    <m:oMathPara xmlns:m="http://schemas.openxmlformats.org/officeDocument/2006/math">
+                      <m:oMathParaPr>
+                        <m:jc m:val="centerGroup"/>
+                      </m:oMathParaPr>
+                      <m:oMath xmlns:m="http://schemas.openxmlformats.org/officeDocument/2006/math">
+                        <m:acc>
+                          <m:accPr>
+                            <m:chr m:val="̂"/>
+                            <m:ctrlPr>
+                              <a:rPr lang="en-US" i="1" smtClean="0">
+                                <a:latin typeface="Cambria Math" panose="02040503050406030204" pitchFamily="18" charset="0"/>
+                              </a:rPr>
+                            </m:ctrlPr>
+                          </m:accPr>
+                          <m:e>
+                            <m:r>
+                              <a:rPr lang="en-US" b="0" i="1" smtClean="0">
+                                <a:latin typeface="Cambria Math" panose="02040503050406030204" pitchFamily="18" charset="0"/>
+                              </a:rPr>
+                              <m:t>𝑛</m:t>
+                            </m:r>
+                          </m:e>
+                        </m:acc>
+                      </m:oMath>
+                    </m:oMathPara>
+                  </a14:m>
+                  <a:endParaRPr lang="en-US" dirty="0"/>
+                </a:p>
+              </p:txBody>
+            </p:sp>
+          </mc:Choice>
+          <mc:Fallback>
+            <p:sp>
+              <p:nvSpPr>
+                <p:cNvPr id="37" name="TextBox 36">
+                  <a:extLst>
+                    <a:ext uri="{FF2B5EF4-FFF2-40B4-BE49-F238E27FC236}">
+                      <a16:creationId xmlns:a16="http://schemas.microsoft.com/office/drawing/2014/main" id="{D91A7A43-BAF6-A70C-2686-48779EB248F6}"/>
+                    </a:ext>
+                  </a:extLst>
+                </p:cNvPr>
+                <p:cNvSpPr txBox="1">
+                  <a:spLocks noRot="1" noChangeAspect="1" noMove="1" noResize="1" noEditPoints="1" noAdjustHandles="1" noChangeArrowheads="1" noChangeShapeType="1" noTextEdit="1"/>
+                </p:cNvSpPr>
+                <p:nvPr/>
+              </p:nvSpPr>
+              <p:spPr>
+                <a:xfrm>
+                  <a:off x="4488186" y="1714739"/>
+                  <a:ext cx="401949" cy="369332"/>
+                </a:xfrm>
+                <a:prstGeom prst="rect">
+                  <a:avLst/>
+                </a:prstGeom>
+                <a:blipFill>
+                  <a:blip r:embed="rId4"/>
+                  <a:stretch>
+                    <a:fillRect t="-6667" r="-18182"/>
+                  </a:stretch>
+                </a:blipFill>
+              </p:spPr>
+              <p:txBody>
+                <a:bodyPr/>
+                <a:lstStyle/>
+                <a:p>
+                  <a:r>
+                    <a:rPr lang="en-US">
+                      <a:noFill/>
+                    </a:rPr>
+                    <a:t> </a:t>
+                  </a:r>
+                </a:p>
+              </p:txBody>
+            </p:sp>
+          </mc:Fallback>
+        </mc:AlternateContent>
+        <p:grpSp>
+          <p:nvGrpSpPr>
+            <p:cNvPr id="48" name="Group 47">
+              <a:extLst>
+                <a:ext uri="{FF2B5EF4-FFF2-40B4-BE49-F238E27FC236}">
+                  <a16:creationId xmlns:a16="http://schemas.microsoft.com/office/drawing/2014/main" id="{C5B8650B-27FC-53C1-AD62-72EB6678EC10}"/>
+                </a:ext>
+              </a:extLst>
+            </p:cNvPr>
+            <p:cNvGrpSpPr/>
+            <p:nvPr/>
+          </p:nvGrpSpPr>
+          <p:grpSpPr>
+            <a:xfrm>
+              <a:off x="4197878" y="1171386"/>
+              <a:ext cx="1501447" cy="1501447"/>
+              <a:chOff x="7431098" y="2068522"/>
+              <a:chExt cx="1501447" cy="1501447"/>
+            </a:xfrm>
+          </p:grpSpPr>
+          <p:sp>
+            <p:nvSpPr>
+              <p:cNvPr id="49" name="Oval 48">
+                <a:extLst>
+                  <a:ext uri="{FF2B5EF4-FFF2-40B4-BE49-F238E27FC236}">
+                    <a16:creationId xmlns:a16="http://schemas.microsoft.com/office/drawing/2014/main" id="{5E18FCF9-AC56-79D1-1357-3806077B54AE}"/>
+                  </a:ext>
+                </a:extLst>
+              </p:cNvPr>
+              <p:cNvSpPr/>
+              <p:nvPr/>
+            </p:nvSpPr>
+            <p:spPr>
+              <a:xfrm>
+                <a:off x="7431098" y="2068522"/>
+                <a:ext cx="1501447" cy="1501447"/>
+              </a:xfrm>
+              <a:prstGeom prst="ellipse">
+                <a:avLst/>
+              </a:prstGeom>
+              <a:noFill/>
+              <a:ln w="22225">
+                <a:solidFill>
+                  <a:schemeClr val="tx1"/>
+                </a:solidFill>
+              </a:ln>
+            </p:spPr>
+            <p:style>
+              <a:lnRef idx="2">
+                <a:schemeClr val="accent1">
+                  <a:shade val="15000"/>
+                </a:schemeClr>
+              </a:lnRef>
+              <a:fillRef idx="1">
+                <a:schemeClr val="accent1"/>
+              </a:fillRef>
+              <a:effectRef idx="0">
+                <a:schemeClr val="accent1"/>
+              </a:effectRef>
+              <a:fontRef idx="minor">
+                <a:schemeClr val="lt1"/>
+              </a:fontRef>
+            </p:style>
+            <p:txBody>
+              <a:bodyPr rtlCol="0" anchor="ctr"/>
+              <a:lstStyle/>
+              <a:p>
+                <a:pPr algn="ctr"/>
+                <a:endParaRPr lang="en-US"/>
+              </a:p>
+            </p:txBody>
+          </p:sp>
+          <p:sp>
+            <p:nvSpPr>
+              <p:cNvPr id="50" name="Oval 49">
+                <a:extLst>
+                  <a:ext uri="{FF2B5EF4-FFF2-40B4-BE49-F238E27FC236}">
+                    <a16:creationId xmlns:a16="http://schemas.microsoft.com/office/drawing/2014/main" id="{1B40FDF6-5235-41F4-6EFF-84E81158AA51}"/>
+                  </a:ext>
+                </a:extLst>
+              </p:cNvPr>
+              <p:cNvSpPr/>
+              <p:nvPr/>
+            </p:nvSpPr>
+            <p:spPr>
+              <a:xfrm>
+                <a:off x="8158961" y="2811780"/>
+                <a:ext cx="45719" cy="45719"/>
+              </a:xfrm>
+              <a:prstGeom prst="ellipse">
+                <a:avLst/>
+              </a:prstGeom>
+              <a:solidFill>
+                <a:schemeClr val="tx1"/>
+              </a:solidFill>
+              <a:ln>
+                <a:solidFill>
+                  <a:schemeClr val="tx1"/>
+                </a:solidFill>
+              </a:ln>
+            </p:spPr>
+            <p:style>
+              <a:lnRef idx="2">
+                <a:schemeClr val="accent1">
+                  <a:shade val="15000"/>
+                </a:schemeClr>
+              </a:lnRef>
+              <a:fillRef idx="1">
+                <a:schemeClr val="accent1"/>
+              </a:fillRef>
+              <a:effectRef idx="0">
+                <a:schemeClr val="accent1"/>
+              </a:effectRef>
+              <a:fontRef idx="minor">
+                <a:schemeClr val="lt1"/>
+              </a:fontRef>
+            </p:style>
+            <p:txBody>
+              <a:bodyPr rtlCol="0" anchor="ctr"/>
+              <a:lstStyle/>
+              <a:p>
+                <a:pPr algn="ctr"/>
+                <a:endParaRPr lang="en-US"/>
+              </a:p>
+            </p:txBody>
+          </p:sp>
+        </p:grpSp>
+        <mc:AlternateContent xmlns:mc="http://schemas.openxmlformats.org/markup-compatibility/2006">
+          <mc:Choice xmlns:a14="http://schemas.microsoft.com/office/drawing/2010/main" Requires="a14">
+            <p:sp>
+              <p:nvSpPr>
+                <p:cNvPr id="54" name="TextBox 53">
+                  <a:extLst>
+                    <a:ext uri="{FF2B5EF4-FFF2-40B4-BE49-F238E27FC236}">
+                      <a16:creationId xmlns:a16="http://schemas.microsoft.com/office/drawing/2014/main" id="{99835BB4-9673-3A43-1C8D-47B4B6BBC04C}"/>
+                    </a:ext>
+                  </a:extLst>
+                </p:cNvPr>
+                <p:cNvSpPr txBox="1"/>
+                <p:nvPr/>
+              </p:nvSpPr>
+              <p:spPr>
+                <a:xfrm>
+                  <a:off x="4315756" y="2156579"/>
+                  <a:ext cx="401949" cy="369332"/>
+                </a:xfrm>
+                <a:prstGeom prst="rect">
+                  <a:avLst/>
+                </a:prstGeom>
+                <a:noFill/>
+              </p:spPr>
+              <p:txBody>
+                <a:bodyPr wrap="square" rtlCol="0">
+                  <a:spAutoFit/>
+                </a:bodyPr>
+                <a:lstStyle/>
+                <a:p>
+                  <a14:m>
+                    <m:oMathPara xmlns:m="http://schemas.openxmlformats.org/officeDocument/2006/math">
+                      <m:oMathParaPr>
+                        <m:jc m:val="centerGroup"/>
+                      </m:oMathParaPr>
+                      <m:oMath xmlns:m="http://schemas.openxmlformats.org/officeDocument/2006/math">
+                        <m:r>
+                          <a:rPr lang="en-US" i="1" smtClean="0">
+                            <a:solidFill>
+                              <a:schemeClr val="accent5"/>
+                            </a:solidFill>
+                            <a:latin typeface="Cambria Math" panose="02040503050406030204" pitchFamily="18" charset="0"/>
+                          </a:rPr>
+                          <m:t>𝑑</m:t>
+                        </m:r>
+                      </m:oMath>
+                    </m:oMathPara>
+                  </a14:m>
+                  <a:endParaRPr lang="en-US" dirty="0"/>
+                </a:p>
+              </p:txBody>
+            </p:sp>
+          </mc:Choice>
+          <mc:Fallback>
+            <p:sp>
+              <p:nvSpPr>
+                <p:cNvPr id="54" name="TextBox 53">
+                  <a:extLst>
+                    <a:ext uri="{FF2B5EF4-FFF2-40B4-BE49-F238E27FC236}">
+                      <a16:creationId xmlns:a16="http://schemas.microsoft.com/office/drawing/2014/main" id="{99835BB4-9673-3A43-1C8D-47B4B6BBC04C}"/>
+                    </a:ext>
+                  </a:extLst>
+                </p:cNvPr>
+                <p:cNvSpPr txBox="1">
+                  <a:spLocks noRot="1" noChangeAspect="1" noMove="1" noResize="1" noEditPoints="1" noAdjustHandles="1" noChangeArrowheads="1" noChangeShapeType="1" noTextEdit="1"/>
+                </p:cNvSpPr>
+                <p:nvPr/>
+              </p:nvSpPr>
+              <p:spPr>
+                <a:xfrm>
+                  <a:off x="4315756" y="2156579"/>
+                  <a:ext cx="401949" cy="369332"/>
+                </a:xfrm>
+                <a:prstGeom prst="rect">
+                  <a:avLst/>
+                </a:prstGeom>
+                <a:blipFill>
+                  <a:blip r:embed="rId5"/>
+                  <a:stretch>
+                    <a:fillRect/>
+                  </a:stretch>
+                </a:blipFill>
+              </p:spPr>
+              <p:txBody>
+                <a:bodyPr/>
+                <a:lstStyle/>
+                <a:p>
+                  <a:r>
+                    <a:rPr lang="en-US">
+                      <a:noFill/>
+                    </a:rPr>
+                    <a:t> </a:t>
+                  </a:r>
+                </a:p>
+              </p:txBody>
+            </p:sp>
+          </mc:Fallback>
+        </mc:AlternateContent>
+      </p:grpSp>
+    </p:spTree>
+    <p:extLst>
+      <p:ext uri="{BB962C8B-B14F-4D97-AF65-F5344CB8AC3E}">
+        <p14:creationId xmlns:p14="http://schemas.microsoft.com/office/powerpoint/2010/main" val="3457994233"/>
       </p:ext>
     </p:extLst>
   </p:cSld>
